--- a/docs/Agentes Web Inteligentes para la detección de individuos.pptx
+++ b/docs/Agentes Web Inteligentes para la detección de individuos.pptx
@@ -8,37 +8,36 @@
     <p:sldId id="256" r:id="rId2"/>
     <p:sldId id="270" r:id="rId3"/>
     <p:sldId id="257" r:id="rId4"/>
-    <p:sldId id="268" r:id="rId5"/>
-    <p:sldId id="279" r:id="rId6"/>
-    <p:sldId id="280" r:id="rId7"/>
-    <p:sldId id="258" r:id="rId8"/>
-    <p:sldId id="281" r:id="rId9"/>
-    <p:sldId id="260" r:id="rId10"/>
-    <p:sldId id="261" r:id="rId11"/>
-    <p:sldId id="271" r:id="rId12"/>
-    <p:sldId id="272" r:id="rId13"/>
-    <p:sldId id="262" r:id="rId14"/>
-    <p:sldId id="282" r:id="rId15"/>
-    <p:sldId id="283" r:id="rId16"/>
-    <p:sldId id="263" r:id="rId17"/>
-    <p:sldId id="278" r:id="rId18"/>
-    <p:sldId id="264" r:id="rId19"/>
-    <p:sldId id="284" r:id="rId20"/>
-    <p:sldId id="289" r:id="rId21"/>
-    <p:sldId id="285" r:id="rId22"/>
-    <p:sldId id="288" r:id="rId23"/>
-    <p:sldId id="286" r:id="rId24"/>
-    <p:sldId id="287" r:id="rId25"/>
-    <p:sldId id="265" r:id="rId26"/>
-    <p:sldId id="273" r:id="rId27"/>
-    <p:sldId id="274" r:id="rId28"/>
-    <p:sldId id="275" r:id="rId29"/>
-    <p:sldId id="276" r:id="rId30"/>
-    <p:sldId id="277" r:id="rId31"/>
-    <p:sldId id="266" r:id="rId32"/>
-    <p:sldId id="292" r:id="rId33"/>
-    <p:sldId id="290" r:id="rId34"/>
-    <p:sldId id="291" r:id="rId35"/>
+    <p:sldId id="279" r:id="rId5"/>
+    <p:sldId id="280" r:id="rId6"/>
+    <p:sldId id="258" r:id="rId7"/>
+    <p:sldId id="281" r:id="rId8"/>
+    <p:sldId id="260" r:id="rId9"/>
+    <p:sldId id="261" r:id="rId10"/>
+    <p:sldId id="271" r:id="rId11"/>
+    <p:sldId id="272" r:id="rId12"/>
+    <p:sldId id="262" r:id="rId13"/>
+    <p:sldId id="282" r:id="rId14"/>
+    <p:sldId id="283" r:id="rId15"/>
+    <p:sldId id="263" r:id="rId16"/>
+    <p:sldId id="278" r:id="rId17"/>
+    <p:sldId id="264" r:id="rId18"/>
+    <p:sldId id="284" r:id="rId19"/>
+    <p:sldId id="289" r:id="rId20"/>
+    <p:sldId id="285" r:id="rId21"/>
+    <p:sldId id="288" r:id="rId22"/>
+    <p:sldId id="286" r:id="rId23"/>
+    <p:sldId id="287" r:id="rId24"/>
+    <p:sldId id="265" r:id="rId25"/>
+    <p:sldId id="273" r:id="rId26"/>
+    <p:sldId id="274" r:id="rId27"/>
+    <p:sldId id="275" r:id="rId28"/>
+    <p:sldId id="276" r:id="rId29"/>
+    <p:sldId id="277" r:id="rId30"/>
+    <p:sldId id="266" r:id="rId31"/>
+    <p:sldId id="292" r:id="rId32"/>
+    <p:sldId id="290" r:id="rId33"/>
+    <p:sldId id="291" r:id="rId34"/>
   </p:sldIdLst>
   <p:sldSz cx="9144000" cy="6858000" type="screen4x3"/>
   <p:notesSz cx="6858000" cy="9144000"/>
@@ -142,8 +141,17 @@
 
 <file path=ppt/charts/chart1.xml><?xml version="1.0" encoding="utf-8"?>
 <c:chartSpace xmlns:c="http://schemas.openxmlformats.org/drawingml/2006/chart" xmlns:a="http://schemas.openxmlformats.org/drawingml/2006/main" xmlns:r="http://schemas.openxmlformats.org/officeDocument/2006/relationships">
-  <c:date1904 val="1"/>
+  <c:date1904 val="0"/>
   <c:lang val="es-MX"/>
+  <c:roundedCorners val="0"/>
+  <mc:AlternateContent xmlns:mc="http://schemas.openxmlformats.org/markup-compatibility/2006">
+    <mc:Choice xmlns:c14="http://schemas.microsoft.com/office/drawing/2007/8/2/chart" Requires="c14">
+      <c14:style val="102"/>
+    </mc:Choice>
+    <mc:Fallback>
+      <c:style val="2"/>
+    </mc:Fallback>
+  </mc:AlternateContent>
   <c:pivotSource>
     <c:name>[analysis result.xlsx]Hoja3!Tabla dinámica3</c:name>
     <c:fmtId val="-1"/>
@@ -176,7 +184,9 @@
         </c:rich>
       </c:tx>
       <c:layout/>
+      <c:overlay val="0"/>
     </c:title>
+    <c:autoTitleDeleted val="0"/>
     <c:pivotFmts>
       <c:pivotFmt>
         <c:idx val="0"/>
@@ -212,6 +222,7 @@
       <c:barChart>
         <c:barDir val="col"/>
         <c:grouping val="clustered"/>
+        <c:varyColors val="0"/>
         <c:ser>
           <c:idx val="0"/>
           <c:order val="0"/>
@@ -226,6 +237,7 @@
               </c:strCache>
             </c:strRef>
           </c:tx>
+          <c:invertIfNegative val="0"/>
           <c:cat>
             <c:strRef>
               <c:f>Hoja3!$B$3:$B$336</c:f>
@@ -1237,7 +1249,7 @@
             <c:numRef>
               <c:f>Hoja3!$C$3:$C$336</c:f>
               <c:numCache>
-                <c:formatCode>Estándar</c:formatCode>
+                <c:formatCode>General</c:formatCode>
                 <c:ptCount val="333"/>
                 <c:pt idx="0">
                   <c:v>3489</c:v>
@@ -2242,14 +2254,24 @@
             </c:numRef>
           </c:val>
         </c:ser>
-        <c:axId val="109138688"/>
-        <c:axId val="109140992"/>
+        <c:dLbls>
+          <c:showLegendKey val="0"/>
+          <c:showVal val="0"/>
+          <c:showCatName val="0"/>
+          <c:showSerName val="0"/>
+          <c:showPercent val="0"/>
+          <c:showBubbleSize val="0"/>
+        </c:dLbls>
+        <c:gapWidth val="150"/>
+        <c:axId val="82975744"/>
+        <c:axId val="83125376"/>
       </c:barChart>
       <c:catAx>
-        <c:axId val="109138688"/>
+        <c:axId val="82975744"/>
         <c:scaling>
           <c:orientation val="minMax"/>
         </c:scaling>
+        <c:delete val="0"/>
         <c:axPos val="b"/>
         <c:title>
           <c:tx>
@@ -2281,19 +2303,24 @@
               <c:y val="0.87393800532051724"/>
             </c:manualLayout>
           </c:layout>
+          <c:overlay val="0"/>
         </c:title>
+        <c:majorTickMark val="out"/>
+        <c:minorTickMark val="none"/>
         <c:tickLblPos val="nextTo"/>
-        <c:crossAx val="109140992"/>
+        <c:crossAx val="83125376"/>
         <c:crosses val="autoZero"/>
         <c:auto val="1"/>
         <c:lblAlgn val="ctr"/>
         <c:lblOffset val="100"/>
+        <c:noMultiLvlLbl val="0"/>
       </c:catAx>
       <c:valAx>
-        <c:axId val="109140992"/>
+        <c:axId val="83125376"/>
         <c:scaling>
           <c:orientation val="minMax"/>
         </c:scaling>
+        <c:delete val="0"/>
         <c:axPos val="l"/>
         <c:majorGridlines/>
         <c:title>
@@ -2313,10 +2340,13 @@
             </c:rich>
           </c:tx>
           <c:layout/>
+          <c:overlay val="0"/>
         </c:title>
-        <c:numFmt formatCode="Estándar" sourceLinked="1"/>
+        <c:numFmt formatCode="General" sourceLinked="1"/>
+        <c:majorTickMark val="out"/>
+        <c:minorTickMark val="none"/>
         <c:tickLblPos val="nextTo"/>
-        <c:crossAx val="109138688"/>
+        <c:crossAx val="82975744"/>
         <c:crosses val="autoZero"/>
         <c:crossBetween val="between"/>
       </c:valAx>
@@ -2324,11 +2354,15 @@
     <c:legend>
       <c:legendPos val="r"/>
       <c:layout/>
+      <c:overlay val="0"/>
     </c:legend>
     <c:plotVisOnly val="1"/>
     <c:dispBlanksAs val="gap"/>
+    <c:showDLblsOverMax val="0"/>
   </c:chart>
-  <c:externalData r:id="rId1"/>
+  <c:externalData r:id="rId1">
+    <c:autoUpdate val="0"/>
+  </c:externalData>
   <c:extLst>
     <c:ext xmlns:c14="http://schemas.microsoft.com/office/drawing/2007/8/2/chart" uri="{781A3756-C4B2-4CAC-9D66-4F8BD8637D16}">
       <c14:pivotOptions>
@@ -2345,8 +2379,17 @@
 
 <file path=ppt/charts/chart2.xml><?xml version="1.0" encoding="utf-8"?>
 <c:chartSpace xmlns:c="http://schemas.openxmlformats.org/drawingml/2006/chart" xmlns:a="http://schemas.openxmlformats.org/drawingml/2006/main" xmlns:r="http://schemas.openxmlformats.org/officeDocument/2006/relationships">
-  <c:date1904 val="1"/>
+  <c:date1904 val="0"/>
   <c:lang val="es-MX"/>
+  <c:roundedCorners val="0"/>
+  <mc:AlternateContent xmlns:mc="http://schemas.openxmlformats.org/markup-compatibility/2006">
+    <mc:Choice xmlns:c14="http://schemas.microsoft.com/office/drawing/2007/8/2/chart" Requires="c14">
+      <c14:style val="102"/>
+    </mc:Choice>
+    <mc:Fallback>
+      <c:style val="2"/>
+    </mc:Fallback>
+  </mc:AlternateContent>
   <c:pivotSource>
     <c:name>[analysis result.xlsx]Hoja4!Tabla dinámica1</c:name>
     <c:fmtId val="-1"/>
@@ -2369,7 +2412,9 @@
         </c:rich>
       </c:tx>
       <c:layout/>
+      <c:overlay val="0"/>
     </c:title>
+    <c:autoTitleDeleted val="0"/>
     <c:pivotFmts>
       <c:pivotFmt>
         <c:idx val="0"/>
@@ -2394,6 +2439,7 @@
       <c:layout/>
       <c:lineChart>
         <c:grouping val="standard"/>
+        <c:varyColors val="0"/>
         <c:ser>
           <c:idx val="0"/>
           <c:order val="0"/>
@@ -2978,7 +3024,7 @@
             <c:numRef>
               <c:f>Hoja4!$C$3:$C$188</c:f>
               <c:numCache>
-                <c:formatCode>Estándar</c:formatCode>
+                <c:formatCode>General</c:formatCode>
                 <c:ptCount val="185"/>
                 <c:pt idx="0">
                   <c:v>203</c:v>
@@ -3538,16 +3584,27 @@
               </c:numCache>
             </c:numRef>
           </c:val>
+          <c:smooth val="0"/>
         </c:ser>
+        <c:dLbls>
+          <c:showLegendKey val="0"/>
+          <c:showVal val="0"/>
+          <c:showCatName val="0"/>
+          <c:showSerName val="0"/>
+          <c:showPercent val="0"/>
+          <c:showBubbleSize val="0"/>
+        </c:dLbls>
         <c:marker val="1"/>
-        <c:axId val="115540736"/>
-        <c:axId val="115542656"/>
+        <c:smooth val="0"/>
+        <c:axId val="83147008"/>
+        <c:axId val="83239296"/>
       </c:lineChart>
       <c:catAx>
-        <c:axId val="115540736"/>
+        <c:axId val="83147008"/>
         <c:scaling>
           <c:orientation val="minMax"/>
         </c:scaling>
+        <c:delete val="0"/>
         <c:axPos val="b"/>
         <c:title>
           <c:tx>
@@ -3566,19 +3623,24 @@
             </c:rich>
           </c:tx>
           <c:layout/>
+          <c:overlay val="0"/>
         </c:title>
+        <c:majorTickMark val="out"/>
+        <c:minorTickMark val="none"/>
         <c:tickLblPos val="nextTo"/>
-        <c:crossAx val="115542656"/>
+        <c:crossAx val="83239296"/>
         <c:crosses val="autoZero"/>
         <c:auto val="1"/>
         <c:lblAlgn val="ctr"/>
         <c:lblOffset val="100"/>
+        <c:noMultiLvlLbl val="0"/>
       </c:catAx>
       <c:valAx>
-        <c:axId val="115542656"/>
+        <c:axId val="83239296"/>
         <c:scaling>
           <c:orientation val="minMax"/>
         </c:scaling>
+        <c:delete val="0"/>
         <c:axPos val="l"/>
         <c:majorGridlines/>
         <c:title>
@@ -3603,10 +3665,13 @@
             </c:rich>
           </c:tx>
           <c:layout/>
+          <c:overlay val="0"/>
         </c:title>
-        <c:numFmt formatCode="Estándar" sourceLinked="1"/>
+        <c:numFmt formatCode="General" sourceLinked="1"/>
+        <c:majorTickMark val="out"/>
+        <c:minorTickMark val="none"/>
         <c:tickLblPos val="nextTo"/>
-        <c:crossAx val="115540736"/>
+        <c:crossAx val="83147008"/>
         <c:crosses val="autoZero"/>
         <c:crossBetween val="between"/>
       </c:valAx>
@@ -3614,11 +3679,15 @@
     <c:legend>
       <c:legendPos val="r"/>
       <c:layout/>
+      <c:overlay val="0"/>
     </c:legend>
     <c:plotVisOnly val="1"/>
     <c:dispBlanksAs val="gap"/>
+    <c:showDLblsOverMax val="0"/>
   </c:chart>
-  <c:externalData r:id="rId1"/>
+  <c:externalData r:id="rId1">
+    <c:autoUpdate val="0"/>
+  </c:externalData>
   <c:extLst>
     <c:ext xmlns:c14="http://schemas.microsoft.com/office/drawing/2007/8/2/chart" uri="{781A3756-C4B2-4CAC-9D66-4F8BD8637D16}">
       <c14:pivotOptions>
@@ -3635,8 +3704,17 @@
 
 <file path=ppt/charts/chart3.xml><?xml version="1.0" encoding="utf-8"?>
 <c:chartSpace xmlns:c="http://schemas.openxmlformats.org/drawingml/2006/chart" xmlns:a="http://schemas.openxmlformats.org/drawingml/2006/main" xmlns:r="http://schemas.openxmlformats.org/officeDocument/2006/relationships">
-  <c:date1904 val="1"/>
+  <c:date1904 val="0"/>
   <c:lang val="es-MX"/>
+  <c:roundedCorners val="0"/>
+  <mc:AlternateContent xmlns:mc="http://schemas.openxmlformats.org/markup-compatibility/2006">
+    <mc:Choice xmlns:c14="http://schemas.microsoft.com/office/drawing/2007/8/2/chart" Requires="c14">
+      <c14:style val="102"/>
+    </mc:Choice>
+    <mc:Fallback>
+      <c:style val="2"/>
+    </mc:Fallback>
+  </mc:AlternateContent>
   <c:pivotSource>
     <c:name>[analysis result.xlsx]Hoja5!Tabla dinámica2</c:name>
     <c:fmtId val="-1"/>
@@ -3664,7 +3742,9 @@
         </c:rich>
       </c:tx>
       <c:layout/>
+      <c:overlay val="0"/>
     </c:title>
+    <c:autoTitleDeleted val="0"/>
     <c:pivotFmts>
       <c:pivotFmt>
         <c:idx val="0"/>
@@ -3690,6 +3770,7 @@
       <c:barChart>
         <c:barDir val="col"/>
         <c:grouping val="clustered"/>
+        <c:varyColors val="0"/>
         <c:ser>
           <c:idx val="0"/>
           <c:order val="0"/>
@@ -3704,6 +3785,7 @@
               </c:strCache>
             </c:strRef>
           </c:tx>
+          <c:invertIfNegative val="0"/>
           <c:cat>
             <c:strRef>
               <c:f>Hoja5!$B$3:$B$6</c:f>
@@ -3725,7 +3807,7 @@
             <c:numRef>
               <c:f>Hoja5!$C$3:$C$6</c:f>
               <c:numCache>
-                <c:formatCode>Estándar</c:formatCode>
+                <c:formatCode>General</c:formatCode>
                 <c:ptCount val="3"/>
                 <c:pt idx="0">
                   <c:v>108</c:v>
@@ -3740,14 +3822,24 @@
             </c:numRef>
           </c:val>
         </c:ser>
-        <c:axId val="115811456"/>
-        <c:axId val="115813376"/>
+        <c:dLbls>
+          <c:showLegendKey val="0"/>
+          <c:showVal val="0"/>
+          <c:showCatName val="0"/>
+          <c:showSerName val="0"/>
+          <c:showPercent val="0"/>
+          <c:showBubbleSize val="0"/>
+        </c:dLbls>
+        <c:gapWidth val="150"/>
+        <c:axId val="83273216"/>
+        <c:axId val="83275136"/>
       </c:barChart>
       <c:catAx>
-        <c:axId val="115811456"/>
+        <c:axId val="83273216"/>
         <c:scaling>
           <c:orientation val="minMax"/>
         </c:scaling>
+        <c:delete val="0"/>
         <c:axPos val="b"/>
         <c:title>
           <c:tx>
@@ -3766,19 +3858,24 @@
             </c:rich>
           </c:tx>
           <c:layout/>
+          <c:overlay val="0"/>
         </c:title>
+        <c:majorTickMark val="out"/>
+        <c:minorTickMark val="none"/>
         <c:tickLblPos val="nextTo"/>
-        <c:crossAx val="115813376"/>
+        <c:crossAx val="83275136"/>
         <c:crosses val="autoZero"/>
         <c:auto val="1"/>
         <c:lblAlgn val="ctr"/>
         <c:lblOffset val="100"/>
+        <c:noMultiLvlLbl val="0"/>
       </c:catAx>
       <c:valAx>
-        <c:axId val="115813376"/>
+        <c:axId val="83275136"/>
         <c:scaling>
           <c:orientation val="minMax"/>
         </c:scaling>
+        <c:delete val="0"/>
         <c:axPos val="l"/>
         <c:majorGridlines/>
         <c:title>
@@ -3798,10 +3895,13 @@
             </c:rich>
           </c:tx>
           <c:layout/>
+          <c:overlay val="0"/>
         </c:title>
-        <c:numFmt formatCode="Estándar" sourceLinked="1"/>
+        <c:numFmt formatCode="General" sourceLinked="1"/>
+        <c:majorTickMark val="out"/>
+        <c:minorTickMark val="none"/>
         <c:tickLblPos val="nextTo"/>
-        <c:crossAx val="115811456"/>
+        <c:crossAx val="83273216"/>
         <c:crosses val="autoZero"/>
         <c:crossBetween val="between"/>
       </c:valAx>
@@ -3809,11 +3909,15 @@
     <c:legend>
       <c:legendPos val="r"/>
       <c:layout/>
+      <c:overlay val="0"/>
     </c:legend>
     <c:plotVisOnly val="1"/>
     <c:dispBlanksAs val="gap"/>
+    <c:showDLblsOverMax val="0"/>
   </c:chart>
-  <c:externalData r:id="rId1"/>
+  <c:externalData r:id="rId1">
+    <c:autoUpdate val="0"/>
+  </c:externalData>
   <c:extLst>
     <c:ext xmlns:c14="http://schemas.microsoft.com/office/drawing/2007/8/2/chart" uri="{781A3756-C4B2-4CAC-9D66-4F8BD8637D16}">
       <c14:pivotOptions>
@@ -3830,8 +3934,17 @@
 
 <file path=ppt/charts/chart4.xml><?xml version="1.0" encoding="utf-8"?>
 <c:chartSpace xmlns:c="http://schemas.openxmlformats.org/drawingml/2006/chart" xmlns:a="http://schemas.openxmlformats.org/drawingml/2006/main" xmlns:r="http://schemas.openxmlformats.org/officeDocument/2006/relationships">
-  <c:date1904 val="1"/>
+  <c:date1904 val="0"/>
   <c:lang val="es-MX"/>
+  <c:roundedCorners val="0"/>
+  <mc:AlternateContent xmlns:mc="http://schemas.openxmlformats.org/markup-compatibility/2006">
+    <mc:Choice xmlns:c14="http://schemas.microsoft.com/office/drawing/2007/8/2/chart" Requires="c14">
+      <c14:style val="102"/>
+    </mc:Choice>
+    <mc:Fallback>
+      <c:style val="2"/>
+    </mc:Fallback>
+  </mc:AlternateContent>
   <c:pivotSource>
     <c:name>[analysis result.xlsx]Hoja6!Tabla dinámica3</c:name>
     <c:fmtId val="-1"/>
@@ -3854,7 +3967,9 @@
         </c:rich>
       </c:tx>
       <c:layout/>
+      <c:overlay val="0"/>
     </c:title>
+    <c:autoTitleDeleted val="0"/>
     <c:pivotFmts>
       <c:pivotFmt>
         <c:idx val="0"/>
@@ -3880,6 +3995,7 @@
       <c:barChart>
         <c:barDir val="col"/>
         <c:grouping val="clustered"/>
+        <c:varyColors val="0"/>
         <c:ser>
           <c:idx val="0"/>
           <c:order val="0"/>
@@ -3894,6 +4010,7 @@
               </c:strCache>
             </c:strRef>
           </c:tx>
+          <c:invertIfNegative val="0"/>
           <c:cat>
             <c:strRef>
               <c:f>Hoja6!$A$2:$A$5</c:f>
@@ -3915,7 +4032,7 @@
             <c:numRef>
               <c:f>Hoja6!$B$2:$B$5</c:f>
               <c:numCache>
-                <c:formatCode>Estándar</c:formatCode>
+                <c:formatCode>General</c:formatCode>
                 <c:ptCount val="3"/>
                 <c:pt idx="0">
                   <c:v>3897</c:v>
@@ -3930,14 +4047,24 @@
             </c:numRef>
           </c:val>
         </c:ser>
-        <c:axId val="133375872"/>
-        <c:axId val="115782400"/>
+        <c:dLbls>
+          <c:showLegendKey val="0"/>
+          <c:showVal val="0"/>
+          <c:showCatName val="0"/>
+          <c:showSerName val="0"/>
+          <c:showPercent val="0"/>
+          <c:showBubbleSize val="0"/>
+        </c:dLbls>
+        <c:gapWidth val="150"/>
+        <c:axId val="83383040"/>
+        <c:axId val="83384960"/>
       </c:barChart>
       <c:catAx>
-        <c:axId val="133375872"/>
+        <c:axId val="83383040"/>
         <c:scaling>
           <c:orientation val="minMax"/>
         </c:scaling>
+        <c:delete val="0"/>
         <c:axPos val="b"/>
         <c:title>
           <c:tx>
@@ -3963,19 +4090,24 @@
               <c:y val="0.92378601853108955"/>
             </c:manualLayout>
           </c:layout>
+          <c:overlay val="0"/>
         </c:title>
+        <c:majorTickMark val="out"/>
+        <c:minorTickMark val="none"/>
         <c:tickLblPos val="nextTo"/>
-        <c:crossAx val="115782400"/>
+        <c:crossAx val="83384960"/>
         <c:crosses val="autoZero"/>
         <c:auto val="1"/>
         <c:lblAlgn val="ctr"/>
         <c:lblOffset val="100"/>
+        <c:noMultiLvlLbl val="0"/>
       </c:catAx>
       <c:valAx>
-        <c:axId val="115782400"/>
+        <c:axId val="83384960"/>
         <c:scaling>
           <c:orientation val="minMax"/>
         </c:scaling>
+        <c:delete val="0"/>
         <c:axPos val="l"/>
         <c:majorGridlines/>
         <c:title>
@@ -3995,10 +4127,13 @@
             </c:rich>
           </c:tx>
           <c:layout/>
+          <c:overlay val="0"/>
         </c:title>
-        <c:numFmt formatCode="Estándar" sourceLinked="1"/>
+        <c:numFmt formatCode="General" sourceLinked="1"/>
+        <c:majorTickMark val="out"/>
+        <c:minorTickMark val="none"/>
         <c:tickLblPos val="nextTo"/>
-        <c:crossAx val="133375872"/>
+        <c:crossAx val="83383040"/>
         <c:crosses val="autoZero"/>
         <c:crossBetween val="between"/>
       </c:valAx>
@@ -4006,11 +4141,15 @@
     <c:legend>
       <c:legendPos val="r"/>
       <c:layout/>
+      <c:overlay val="0"/>
     </c:legend>
     <c:plotVisOnly val="1"/>
     <c:dispBlanksAs val="gap"/>
+    <c:showDLblsOverMax val="0"/>
   </c:chart>
-  <c:externalData r:id="rId1"/>
+  <c:externalData r:id="rId1">
+    <c:autoUpdate val="0"/>
+  </c:externalData>
   <c:extLst>
     <c:ext xmlns:c14="http://schemas.microsoft.com/office/drawing/2007/8/2/chart" uri="{781A3756-C4B2-4CAC-9D66-4F8BD8637D16}">
       <c14:pivotOptions>
@@ -4027,8 +4166,17 @@
 
 <file path=ppt/charts/chart5.xml><?xml version="1.0" encoding="utf-8"?>
 <c:chartSpace xmlns:c="http://schemas.openxmlformats.org/drawingml/2006/chart" xmlns:a="http://schemas.openxmlformats.org/drawingml/2006/main" xmlns:r="http://schemas.openxmlformats.org/officeDocument/2006/relationships">
-  <c:date1904 val="1"/>
+  <c:date1904 val="0"/>
   <c:lang val="es-MX"/>
+  <c:roundedCorners val="0"/>
+  <mc:AlternateContent xmlns:mc="http://schemas.openxmlformats.org/markup-compatibility/2006">
+    <mc:Choice xmlns:c14="http://schemas.microsoft.com/office/drawing/2007/8/2/chart" Requires="c14">
+      <c14:style val="102"/>
+    </mc:Choice>
+    <mc:Fallback>
+      <c:style val="2"/>
+    </mc:Fallback>
+  </mc:AlternateContent>
   <c:pivotSource>
     <c:name>[analysis result.xlsx]Hoja7!Tabla dinámica4</c:name>
     <c:fmtId val="-1"/>
@@ -4056,7 +4204,9 @@
         </c:rich>
       </c:tx>
       <c:layout/>
+      <c:overlay val="0"/>
     </c:title>
+    <c:autoTitleDeleted val="0"/>
     <c:pivotFmts>
       <c:pivotFmt>
         <c:idx val="0"/>
@@ -4100,6 +4250,7 @@
       <c:barChart>
         <c:barDir val="col"/>
         <c:grouping val="clustered"/>
+        <c:varyColors val="0"/>
         <c:ser>
           <c:idx val="0"/>
           <c:order val="0"/>
@@ -4114,6 +4265,7 @@
               </c:strCache>
             </c:strRef>
           </c:tx>
+          <c:invertIfNegative val="0"/>
           <c:cat>
             <c:strRef>
               <c:f>Hoja7!$A$2:$A$5</c:f>
@@ -4135,7 +4287,7 @@
             <c:numRef>
               <c:f>Hoja7!$B$2:$B$5</c:f>
               <c:numCache>
-                <c:formatCode>Estándar</c:formatCode>
+                <c:formatCode>General</c:formatCode>
                 <c:ptCount val="3"/>
                 <c:pt idx="0">
                   <c:v>224</c:v>
@@ -4164,6 +4316,7 @@
               </c:strCache>
             </c:strRef>
           </c:tx>
+          <c:invertIfNegative val="0"/>
           <c:cat>
             <c:strRef>
               <c:f>Hoja7!$A$2:$A$5</c:f>
@@ -4185,7 +4338,7 @@
             <c:numRef>
               <c:f>Hoja7!$C$2:$C$5</c:f>
               <c:numCache>
-                <c:formatCode>Estándar</c:formatCode>
+                <c:formatCode>General</c:formatCode>
                 <c:ptCount val="3"/>
                 <c:pt idx="0">
                   <c:v>79</c:v>
@@ -4214,6 +4367,7 @@
               </c:strCache>
             </c:strRef>
           </c:tx>
+          <c:invertIfNegative val="0"/>
           <c:cat>
             <c:strRef>
               <c:f>Hoja7!$A$2:$A$5</c:f>
@@ -4235,7 +4389,7 @@
             <c:numRef>
               <c:f>Hoja7!$D$2:$D$5</c:f>
               <c:numCache>
-                <c:formatCode>Estándar</c:formatCode>
+                <c:formatCode>General</c:formatCode>
                 <c:ptCount val="3"/>
                 <c:pt idx="0">
                   <c:v>338</c:v>
@@ -4250,14 +4404,24 @@
             </c:numRef>
           </c:val>
         </c:ser>
-        <c:axId val="115775744"/>
-        <c:axId val="115789824"/>
+        <c:dLbls>
+          <c:showLegendKey val="0"/>
+          <c:showVal val="0"/>
+          <c:showCatName val="0"/>
+          <c:showSerName val="0"/>
+          <c:showPercent val="0"/>
+          <c:showBubbleSize val="0"/>
+        </c:dLbls>
+        <c:gapWidth val="150"/>
+        <c:axId val="83428864"/>
+        <c:axId val="83430784"/>
       </c:barChart>
       <c:catAx>
-        <c:axId val="115775744"/>
+        <c:axId val="83428864"/>
         <c:scaling>
           <c:orientation val="minMax"/>
         </c:scaling>
+        <c:delete val="0"/>
         <c:axPos val="b"/>
         <c:title>
           <c:tx>
@@ -4276,19 +4440,24 @@
             </c:rich>
           </c:tx>
           <c:layout/>
+          <c:overlay val="0"/>
         </c:title>
+        <c:majorTickMark val="out"/>
+        <c:minorTickMark val="none"/>
         <c:tickLblPos val="nextTo"/>
-        <c:crossAx val="115789824"/>
+        <c:crossAx val="83430784"/>
         <c:crosses val="autoZero"/>
         <c:auto val="1"/>
         <c:lblAlgn val="ctr"/>
         <c:lblOffset val="100"/>
+        <c:noMultiLvlLbl val="0"/>
       </c:catAx>
       <c:valAx>
-        <c:axId val="115789824"/>
+        <c:axId val="83430784"/>
         <c:scaling>
           <c:orientation val="minMax"/>
         </c:scaling>
+        <c:delete val="0"/>
         <c:axPos val="l"/>
         <c:majorGridlines/>
         <c:title>
@@ -4308,10 +4477,13 @@
             </c:rich>
           </c:tx>
           <c:layout/>
+          <c:overlay val="0"/>
         </c:title>
-        <c:numFmt formatCode="Estándar" sourceLinked="1"/>
+        <c:numFmt formatCode="General" sourceLinked="1"/>
+        <c:majorTickMark val="out"/>
+        <c:minorTickMark val="none"/>
         <c:tickLblPos val="nextTo"/>
-        <c:crossAx val="115775744"/>
+        <c:crossAx val="83428864"/>
         <c:crosses val="autoZero"/>
         <c:crossBetween val="between"/>
       </c:valAx>
@@ -4319,11 +4491,15 @@
     <c:legend>
       <c:legendPos val="r"/>
       <c:layout/>
+      <c:overlay val="0"/>
     </c:legend>
     <c:plotVisOnly val="1"/>
     <c:dispBlanksAs val="gap"/>
+    <c:showDLblsOverMax val="0"/>
   </c:chart>
-  <c:externalData r:id="rId1"/>
+  <c:externalData r:id="rId1">
+    <c:autoUpdate val="0"/>
+  </c:externalData>
   <c:extLst>
     <c:ext xmlns:c14="http://schemas.microsoft.com/office/drawing/2007/8/2/chart" uri="{781A3756-C4B2-4CAC-9D66-4F8BD8637D16}">
       <c14:pivotOptions>
@@ -4964,7 +5140,7 @@
             <a:fld id="{0A38F962-DB98-452F-A84A-6CC7B88892AB}" type="datetimeFigureOut">
               <a:rPr lang="es-MX" smtClean="0"/>
               <a:pPr/>
-              <a:t>14/06/2015</a:t>
+              <a:t>21/06/2015</a:t>
             </a:fld>
             <a:endParaRPr lang="es-MX"/>
           </a:p>
@@ -5162,7 +5338,7 @@
             <a:fld id="{0A38F962-DB98-452F-A84A-6CC7B88892AB}" type="datetimeFigureOut">
               <a:rPr lang="es-MX" smtClean="0"/>
               <a:pPr/>
-              <a:t>14/06/2015</a:t>
+              <a:t>21/06/2015</a:t>
             </a:fld>
             <a:endParaRPr lang="es-MX"/>
           </a:p>
@@ -5349,7 +5525,7 @@
             <a:fld id="{0A38F962-DB98-452F-A84A-6CC7B88892AB}" type="datetimeFigureOut">
               <a:rPr lang="es-MX" smtClean="0"/>
               <a:pPr/>
-              <a:t>14/06/2015</a:t>
+              <a:t>21/06/2015</a:t>
             </a:fld>
             <a:endParaRPr lang="es-MX"/>
           </a:p>
@@ -5501,7 +5677,7 @@
             <a:fld id="{0A38F962-DB98-452F-A84A-6CC7B88892AB}" type="datetimeFigureOut">
               <a:rPr lang="es-MX" smtClean="0"/>
               <a:pPr/>
-              <a:t>14/06/2015</a:t>
+              <a:t>21/06/2015</a:t>
             </a:fld>
             <a:endParaRPr lang="es-MX"/>
           </a:p>
@@ -5758,7 +5934,7 @@
             <a:fld id="{0A38F962-DB98-452F-A84A-6CC7B88892AB}" type="datetimeFigureOut">
               <a:rPr lang="es-MX" smtClean="0"/>
               <a:pPr/>
-              <a:t>14/06/2015</a:t>
+              <a:t>21/06/2015</a:t>
             </a:fld>
             <a:endParaRPr lang="es-MX"/>
           </a:p>
@@ -6169,7 +6345,7 @@
             <a:fld id="{0A38F962-DB98-452F-A84A-6CC7B88892AB}" type="datetimeFigureOut">
               <a:rPr lang="es-MX" smtClean="0"/>
               <a:pPr/>
-              <a:t>14/06/2015</a:t>
+              <a:t>21/06/2015</a:t>
             </a:fld>
             <a:endParaRPr lang="es-MX"/>
           </a:p>
@@ -6617,7 +6793,7 @@
             <a:fld id="{0A38F962-DB98-452F-A84A-6CC7B88892AB}" type="datetimeFigureOut">
               <a:rPr lang="es-MX" smtClean="0"/>
               <a:pPr/>
-              <a:t>14/06/2015</a:t>
+              <a:t>21/06/2015</a:t>
             </a:fld>
             <a:endParaRPr lang="es-MX"/>
           </a:p>
@@ -6720,7 +6896,7 @@
             <a:fld id="{0A38F962-DB98-452F-A84A-6CC7B88892AB}" type="datetimeFigureOut">
               <a:rPr lang="es-MX" smtClean="0"/>
               <a:pPr/>
-              <a:t>14/06/2015</a:t>
+              <a:t>21/06/2015</a:t>
             </a:fld>
             <a:endParaRPr lang="es-MX"/>
           </a:p>
@@ -6843,7 +7019,7 @@
             <a:fld id="{0A38F962-DB98-452F-A84A-6CC7B88892AB}" type="datetimeFigureOut">
               <a:rPr lang="es-MX" smtClean="0"/>
               <a:pPr/>
-              <a:t>14/06/2015</a:t>
+              <a:t>21/06/2015</a:t>
             </a:fld>
             <a:endParaRPr lang="es-MX"/>
           </a:p>
@@ -7119,7 +7295,7 @@
             <a:fld id="{0A38F962-DB98-452F-A84A-6CC7B88892AB}" type="datetimeFigureOut">
               <a:rPr lang="es-MX" smtClean="0"/>
               <a:pPr/>
-              <a:t>14/06/2015</a:t>
+              <a:t>21/06/2015</a:t>
             </a:fld>
             <a:endParaRPr lang="es-MX"/>
           </a:p>
@@ -7326,7 +7502,7 @@
             <a:fld id="{0A38F962-DB98-452F-A84A-6CC7B88892AB}" type="datetimeFigureOut">
               <a:rPr lang="es-MX" smtClean="0"/>
               <a:pPr/>
-              <a:t>14/06/2015</a:t>
+              <a:t>21/06/2015</a:t>
             </a:fld>
             <a:endParaRPr lang="es-MX"/>
           </a:p>
@@ -8437,7 +8613,7 @@
             <a:fld id="{0A38F962-DB98-452F-A84A-6CC7B88892AB}" type="datetimeFigureOut">
               <a:rPr lang="es-MX" smtClean="0"/>
               <a:pPr/>
-              <a:t>14/06/2015</a:t>
+              <a:t>21/06/2015</a:t>
             </a:fld>
             <a:endParaRPr lang="es-MX"/>
           </a:p>
@@ -8980,58 +9156,58 @@
         </p:nvSpPr>
         <p:spPr>
           <a:xfrm>
-            <a:off x="457200" y="1481329"/>
-            <a:ext cx="8229600" cy="2595744"/>
+            <a:off x="457200" y="1268760"/>
+            <a:ext cx="8229600" cy="4611968"/>
           </a:xfrm>
         </p:spPr>
         <p:txBody>
           <a:bodyPr>
-            <a:normAutofit lnSpcReduction="10000"/>
+            <a:normAutofit/>
           </a:bodyPr>
           <a:lstStyle/>
           <a:p>
             <a:r>
-              <a:rPr lang="es-ES" b="1" dirty="0" smtClean="0"/>
-              <a:t>Objetivo </a:t>
-            </a:r>
-            <a:r>
-              <a:rPr lang="es-ES" b="1" dirty="0" smtClean="0"/>
-              <a:t>General</a:t>
-            </a:r>
-            <a:endParaRPr lang="es-MX" b="1" dirty="0" smtClean="0"/>
-          </a:p>
-          <a:p>
-            <a:pPr lvl="1" algn="just"/>
-            <a:r>
-              <a:rPr lang="es-MX" dirty="0" smtClean="0"/>
-              <a:t>Distinguir los nodos líderes que causan influencia sobre el albedrío de su círculo social en </a:t>
-            </a:r>
-            <a:r>
-              <a:rPr lang="es-MX" i="1" dirty="0" err="1" smtClean="0"/>
+              <a:rPr lang="es-MX" b="1" dirty="0" smtClean="0"/>
+              <a:t>Objetivos Específicos</a:t>
+            </a:r>
+          </a:p>
+          <a:p>
+            <a:pPr lvl="1"/>
+            <a:r>
+              <a:rPr lang="es-MX" sz="2100" dirty="0" smtClean="0"/>
+              <a:t>Desarrollar un Framework que permita el análisis de la red Social </a:t>
+            </a:r>
+            <a:r>
+              <a:rPr lang="es-MX" sz="2100" dirty="0" err="1" smtClean="0"/>
               <a:t>Facebook</a:t>
             </a:r>
             <a:r>
-              <a:rPr lang="es-MX" dirty="0" smtClean="0"/>
-              <a:t> mediante el análisis de sus publicaciones y los comentarios hechos en estas, desarrollando un Framework que permite el Análisis Social en </a:t>
-            </a:r>
-            <a:r>
-              <a:rPr lang="es-MX" i="1" dirty="0" err="1" smtClean="0"/>
+              <a:rPr lang="es-MX" sz="2100" dirty="0" smtClean="0"/>
+              <a:t> para el lenguaje de programación </a:t>
+            </a:r>
+            <a:r>
+              <a:rPr lang="es-MX" sz="2100" dirty="0" err="1" smtClean="0"/>
+              <a:t>Python</a:t>
+            </a:r>
+            <a:r>
+              <a:rPr lang="es-MX" sz="2100" dirty="0" smtClean="0"/>
+              <a:t> que hasta el día de hoy no hay una herramienta que permita esto.</a:t>
+            </a:r>
+          </a:p>
+          <a:p>
+            <a:pPr lvl="1"/>
+            <a:r>
+              <a:rPr lang="es-MX" sz="2100" dirty="0" smtClean="0"/>
+              <a:t>Obtener las publicaciones de usuarios de </a:t>
+            </a:r>
+            <a:r>
+              <a:rPr lang="es-MX" sz="2100" dirty="0" err="1" smtClean="0"/>
               <a:t>Facebook</a:t>
             </a:r>
             <a:r>
-              <a:rPr lang="es-MX" dirty="0" smtClean="0"/>
-              <a:t> para el lenguaje </a:t>
-            </a:r>
-            <a:r>
-              <a:rPr lang="es-MX" dirty="0" err="1" smtClean="0"/>
-              <a:t>Python</a:t>
-            </a:r>
-            <a:r>
-              <a:rPr lang="es-MX" dirty="0" smtClean="0"/>
-              <a:t>.</a:t>
-            </a:r>
-          </a:p>
-          <a:p>
+              <a:rPr lang="es-MX" sz="2100" dirty="0" smtClean="0"/>
+              <a:t> para su análisis. </a:t>
+            </a:r>
             <a:endParaRPr lang="es-MX" dirty="0"/>
           </a:p>
         </p:txBody>
@@ -9061,7 +9237,7 @@
       </p:sp>
       <p:pic>
         <p:nvPicPr>
-          <p:cNvPr id="7172" name="Picture 4" descr="http://kateashford.files.wordpress.com/2011/11/checkboxes.jpg"/>
+          <p:cNvPr id="6" name="Picture 2" descr="https://pilararriagadas.files.wordpress.com/2011/07/obj03.jpg"/>
           <p:cNvPicPr>
             <a:picLocks noChangeAspect="1" noChangeArrowheads="1"/>
           </p:cNvPicPr>
@@ -9076,8 +9252,8 @@
         </p:blipFill>
         <p:spPr bwMode="auto">
           <a:xfrm>
-            <a:off x="4860032" y="3933056"/>
-            <a:ext cx="3672408" cy="2754306"/>
+            <a:off x="3707904" y="3356992"/>
+            <a:ext cx="3312368" cy="3312368"/>
           </a:xfrm>
           <a:prstGeom prst="rect">
             <a:avLst/>
@@ -9127,7 +9303,7 @@
         </p:nvSpPr>
         <p:spPr>
           <a:xfrm>
-            <a:off x="457200" y="1268760"/>
+            <a:off x="457200" y="1196752"/>
             <a:ext cx="8229600" cy="4611968"/>
           </a:xfrm>
         </p:spPr>
@@ -9145,40 +9321,33 @@
           <a:p>
             <a:pPr lvl="1"/>
             <a:r>
-              <a:rPr lang="es-MX" sz="2100" dirty="0" smtClean="0"/>
-              <a:t>Desarrollar un Framework que permita el análisis de la red Social </a:t>
-            </a:r>
-            <a:r>
-              <a:rPr lang="es-MX" sz="2100" dirty="0" err="1" smtClean="0"/>
+              <a:rPr lang="es-MX" sz="2000" dirty="0" smtClean="0"/>
+              <a:t>Realizar un pre-procesamiento adecuado de la información que nos permita limpiar los datos.</a:t>
+            </a:r>
+          </a:p>
+          <a:p>
+            <a:pPr lvl="1"/>
+            <a:r>
+              <a:rPr lang="es-MX" sz="2000" dirty="0" smtClean="0"/>
+              <a:t>Construir un algoritmo para distinguir los nodos líderes, mediante el análisis de sus publicaciones en </a:t>
+            </a:r>
+            <a:r>
+              <a:rPr lang="es-MX" sz="2000" dirty="0" err="1" smtClean="0"/>
               <a:t>Facebook</a:t>
             </a:r>
             <a:r>
-              <a:rPr lang="es-MX" sz="2100" dirty="0" smtClean="0"/>
-              <a:t> para el lenguaje de programación </a:t>
-            </a:r>
-            <a:r>
-              <a:rPr lang="es-MX" sz="2100" dirty="0" err="1" smtClean="0"/>
-              <a:t>Python</a:t>
-            </a:r>
-            <a:r>
-              <a:rPr lang="es-MX" sz="2100" dirty="0" smtClean="0"/>
-              <a:t> que hasta el día de hoy no hay una herramienta que permita esto.</a:t>
+              <a:rPr lang="es-MX" sz="2000" dirty="0" smtClean="0"/>
+              <a:t> usando minería de texto.</a:t>
             </a:r>
           </a:p>
           <a:p>
             <a:pPr lvl="1"/>
             <a:r>
-              <a:rPr lang="es-MX" sz="2100" dirty="0" smtClean="0"/>
-              <a:t>Obtener las publicaciones de usuarios de </a:t>
-            </a:r>
-            <a:r>
-              <a:rPr lang="es-MX" sz="2100" dirty="0" err="1" smtClean="0"/>
-              <a:t>Facebook</a:t>
-            </a:r>
-            <a:r>
-              <a:rPr lang="es-MX" sz="2100" dirty="0" smtClean="0"/>
-              <a:t> para su análisis. </a:t>
-            </a:r>
+              <a:rPr lang="es-MX" sz="2000" dirty="0" smtClean="0"/>
+              <a:t>Obtener un diccionario de palabras negativas, positivas, al igual que uno en el que se encuentren las más comunes entre las publicaciones populares (Es necesario incluir el periodo de tiempo).</a:t>
+            </a:r>
+          </a:p>
+          <a:p>
             <a:endParaRPr lang="es-MX" dirty="0"/>
           </a:p>
         </p:txBody>
@@ -9208,7 +9377,7 @@
       </p:sp>
       <p:pic>
         <p:nvPicPr>
-          <p:cNvPr id="6" name="Picture 2" descr="https://pilararriagadas.files.wordpress.com/2011/07/obj03.jpg"/>
+          <p:cNvPr id="5" name="Picture 4" descr="http://www.secretosdeprosperidad.net/wp-content/uploads/2010/11/importancia-de-establecer-objetivos-en-los-negocios.png"/>
           <p:cNvPicPr>
             <a:picLocks noChangeAspect="1" noChangeArrowheads="1"/>
           </p:cNvPicPr>
@@ -9223,8 +9392,8 @@
         </p:blipFill>
         <p:spPr bwMode="auto">
           <a:xfrm>
-            <a:off x="3707904" y="3356992"/>
-            <a:ext cx="3312368" cy="3312368"/>
+            <a:off x="3507804" y="4293096"/>
+            <a:ext cx="5600700" cy="2381250"/>
           </a:xfrm>
           <a:prstGeom prst="rect">
             <a:avLst/>
@@ -9274,51 +9443,21 @@
         </p:nvSpPr>
         <p:spPr>
           <a:xfrm>
-            <a:off x="457200" y="1196752"/>
-            <a:ext cx="8229600" cy="4611968"/>
+            <a:off x="457200" y="1481328"/>
+            <a:ext cx="8229600" cy="1947672"/>
           </a:xfrm>
         </p:spPr>
         <p:txBody>
           <a:bodyPr>
-            <a:normAutofit/>
+            <a:normAutofit fontScale="77500" lnSpcReduction="20000"/>
           </a:bodyPr>
           <a:lstStyle/>
           <a:p>
-            <a:r>
-              <a:rPr lang="es-MX" b="1" dirty="0" smtClean="0"/>
-              <a:t>Objetivos Específicos</a:t>
-            </a:r>
-          </a:p>
-          <a:p>
-            <a:pPr lvl="1"/>
-            <a:r>
-              <a:rPr lang="es-MX" sz="2000" dirty="0" smtClean="0"/>
-              <a:t>Realizar un pre-procesamiento adecuado de la información que nos permita limpiar los datos.</a:t>
-            </a:r>
-          </a:p>
-          <a:p>
-            <a:pPr lvl="1"/>
-            <a:r>
-              <a:rPr lang="es-MX" sz="2000" dirty="0" smtClean="0"/>
-              <a:t>Construir un algoritmo para distinguir los nodos líderes, mediante el análisis de sus publicaciones en </a:t>
-            </a:r>
-            <a:r>
-              <a:rPr lang="es-MX" sz="2000" dirty="0" err="1" smtClean="0"/>
-              <a:t>Facebook</a:t>
-            </a:r>
-            <a:r>
-              <a:rPr lang="es-MX" sz="2000" dirty="0" smtClean="0"/>
-              <a:t> usando minería de texto.</a:t>
-            </a:r>
-          </a:p>
-          <a:p>
-            <a:pPr lvl="1"/>
-            <a:r>
-              <a:rPr lang="es-MX" sz="2000" dirty="0" smtClean="0"/>
-              <a:t>Obtener un diccionario de palabras negativas, positivas, al igual que uno en el que se encuentren las más comunes entre las publicaciones populares (Es necesario incluir el periodo de tiempo).</a:t>
-            </a:r>
-          </a:p>
-          <a:p>
+            <a:pPr algn="just"/>
+            <a:r>
+              <a:rPr lang="es-MX" dirty="0" smtClean="0"/>
+              <a:t>Las nuevas técnicas de análisis de redes son más apropiadas para grandes data-sets del tipo que generalmente no son factibles analizar utilizando software comercial o común público. La Minería de Datos permite que dicha información sea analizada utilizando técnicas que prometen proveer conocimiento sustancial del área. (Scott, 2011)</a:t>
+            </a:r>
             <a:endParaRPr lang="es-MX" dirty="0"/>
           </a:p>
         </p:txBody>
@@ -9340,7 +9479,7 @@
           <a:p>
             <a:r>
               <a:rPr lang="es-MX" dirty="0" smtClean="0"/>
-              <a:t>Objetivos</a:t>
+              <a:t>Marco de Referencia</a:t>
             </a:r>
             <a:endParaRPr lang="es-MX" dirty="0"/>
           </a:p>
@@ -9348,7 +9487,7 @@
       </p:sp>
       <p:pic>
         <p:nvPicPr>
-          <p:cNvPr id="5" name="Picture 4" descr="http://www.secretosdeprosperidad.net/wp-content/uploads/2010/11/importancia-de-establecer-objetivos-en-los-negocios.png"/>
+          <p:cNvPr id="6146" name="Picture 2" descr="https://imatge.upc.edu/web/sites/default/files/resources/1533/database.png"/>
           <p:cNvPicPr>
             <a:picLocks noChangeAspect="1" noChangeArrowheads="1"/>
           </p:cNvPicPr>
@@ -9363,18 +9502,13 @@
         </p:blipFill>
         <p:spPr bwMode="auto">
           <a:xfrm>
-            <a:off x="3507804" y="4293096"/>
-            <a:ext cx="5600700" cy="2381250"/>
+            <a:off x="3491880" y="3356992"/>
+            <a:ext cx="3182268" cy="3207300"/>
           </a:xfrm>
           <a:prstGeom prst="rect">
             <a:avLst/>
           </a:prstGeom>
-          <a:ln>
-            <a:noFill/>
-          </a:ln>
-          <a:effectLst>
-            <a:softEdge rad="112500"/>
-          </a:effectLst>
+          <a:noFill/>
         </p:spPr>
       </p:pic>
     </p:spTree>
@@ -9420,14 +9554,62 @@
         </p:spPr>
         <p:txBody>
           <a:bodyPr>
-            <a:normAutofit fontScale="77500" lnSpcReduction="20000"/>
+            <a:normAutofit fontScale="85000" lnSpcReduction="20000"/>
           </a:bodyPr>
           <a:lstStyle/>
           <a:p>
             <a:pPr algn="just"/>
             <a:r>
               <a:rPr lang="es-MX" dirty="0" smtClean="0"/>
-              <a:t>Las nuevas técnicas de análisis de redes son más apropiadas para grandes data-sets del tipo que generalmente no son factibles analizar utilizando software comercial o común público. La Minería de Datos permite que dicha información sea analizada utilizando técnicas que prometen proveer conocimiento sustancial del área. (Scott, 2011)</a:t>
+              <a:t>En otras palabras, la minería de datos es el proceso completo de revelar patrones útiles y relaciones en los datos usando técnicas como la inteligencia artificial, machine </a:t>
+            </a:r>
+            <a:r>
+              <a:rPr lang="es-MX" dirty="0" err="1" smtClean="0"/>
+              <a:t>learning</a:t>
+            </a:r>
+            <a:r>
+              <a:rPr lang="es-MX" dirty="0" smtClean="0"/>
+              <a:t> y estadísticas a través de herramientas de análisis de datos avanzadas. (</a:t>
+            </a:r>
+            <a:r>
+              <a:rPr lang="es-MX" dirty="0" err="1" smtClean="0"/>
+              <a:t>Bozkır</a:t>
+            </a:r>
+            <a:r>
+              <a:rPr lang="es-MX" dirty="0" smtClean="0"/>
+              <a:t>, </a:t>
+            </a:r>
+            <a:r>
+              <a:rPr lang="es-MX" dirty="0" err="1" smtClean="0"/>
+              <a:t>Güzin</a:t>
+            </a:r>
+            <a:r>
+              <a:rPr lang="es-MX" dirty="0" smtClean="0"/>
+              <a:t> </a:t>
+            </a:r>
+            <a:r>
+              <a:rPr lang="es-MX" dirty="0" err="1" smtClean="0"/>
+              <a:t>Mazman</a:t>
+            </a:r>
+            <a:r>
+              <a:rPr lang="es-MX" dirty="0" smtClean="0"/>
+              <a:t>, &amp; </a:t>
+            </a:r>
+            <a:r>
+              <a:rPr lang="es-MX" dirty="0" err="1" smtClean="0"/>
+              <a:t>Akçapınar</a:t>
+            </a:r>
+            <a:r>
+              <a:rPr lang="es-MX" dirty="0" smtClean="0"/>
+              <a:t> </a:t>
+            </a:r>
+            <a:r>
+              <a:rPr lang="es-MX" dirty="0" err="1" smtClean="0"/>
+              <a:t>Sezer</a:t>
+            </a:r>
+            <a:r>
+              <a:rPr lang="es-MX" dirty="0" smtClean="0"/>
+              <a:t>, 2010) </a:t>
             </a:r>
             <a:endParaRPr lang="es-MX" dirty="0"/>
           </a:p>
@@ -9458,7 +9640,7 @@
       </p:sp>
       <p:pic>
         <p:nvPicPr>
-          <p:cNvPr id="6146" name="Picture 2" descr="https://imatge.upc.edu/web/sites/default/files/resources/1533/database.png"/>
+          <p:cNvPr id="40962" name="Picture 2" descr="http://www.formulaenlosnegocios.com.mx/wp-content/uploads/2011/09/Imagen_2.jpg"/>
           <p:cNvPicPr>
             <a:picLocks noChangeAspect="1" noChangeArrowheads="1"/>
           </p:cNvPicPr>
@@ -9473,13 +9655,18 @@
         </p:blipFill>
         <p:spPr bwMode="auto">
           <a:xfrm>
-            <a:off x="3491880" y="3356992"/>
-            <a:ext cx="3182268" cy="3207300"/>
+            <a:off x="2483768" y="3645024"/>
+            <a:ext cx="4286250" cy="2457451"/>
           </a:xfrm>
           <a:prstGeom prst="rect">
             <a:avLst/>
           </a:prstGeom>
-          <a:noFill/>
+          <a:ln>
+            <a:noFill/>
+          </a:ln>
+          <a:effectLst>
+            <a:softEdge rad="112500"/>
+          </a:effectLst>
         </p:spPr>
       </p:pic>
     </p:spTree>
@@ -9519,32 +9706,32 @@
         </p:nvSpPr>
         <p:spPr>
           <a:xfrm>
-            <a:off x="457200" y="1481328"/>
-            <a:ext cx="8229600" cy="1947672"/>
+            <a:off x="457200" y="1340768"/>
+            <a:ext cx="8229600" cy="2448272"/>
           </a:xfrm>
         </p:spPr>
         <p:txBody>
           <a:bodyPr>
-            <a:normAutofit fontScale="85000" lnSpcReduction="20000"/>
+            <a:normAutofit fontScale="70000" lnSpcReduction="20000"/>
           </a:bodyPr>
           <a:lstStyle/>
           <a:p>
             <a:pPr algn="just"/>
             <a:r>
               <a:rPr lang="es-MX" dirty="0" smtClean="0"/>
-              <a:t>En otras palabras, la minería de datos es el proceso completo de revelar patrones útiles y relaciones en los datos usando técnicas como la inteligencia artificial, machine </a:t>
+              <a:t>Investigaciones preliminares arrojan resultados de que el análisis de texto se puede realizar a través de palabras simples de una forma efectiva, ya que las palabras expresan en sí el contenido y el orden viene dado en su origen por la sintaxis, y para cuestiones de análisis de texto basta la comparación de estas palabras contenidas se puede clasificar el contenido en base a temas pre-clasificados utilizando diccionarios o bolsas de datos analizando cada palabra o </a:t>
             </a:r>
             <a:r>
               <a:rPr lang="es-MX" dirty="0" err="1" smtClean="0"/>
-              <a:t>learning</a:t>
+              <a:t>token</a:t>
             </a:r>
             <a:r>
               <a:rPr lang="es-MX" dirty="0" smtClean="0"/>
-              <a:t> y estadísticas a través de herramientas de análisis de datos avanzadas. (</a:t>
+              <a:t>, de forma separada y en base a la cantidad y relación cantidad inversa, se añadían a clases o grupos predefinidos de temas. (</a:t>
             </a:r>
             <a:r>
               <a:rPr lang="es-MX" dirty="0" err="1" smtClean="0"/>
-              <a:t>Bozkır</a:t>
+              <a:t>Chou</a:t>
             </a:r>
             <a:r>
               <a:rPr lang="es-MX" dirty="0" smtClean="0"/>
@@ -9552,15 +9739,7 @@
             </a:r>
             <a:r>
               <a:rPr lang="es-MX" dirty="0" err="1" smtClean="0"/>
-              <a:t>Güzin</a:t>
-            </a:r>
-            <a:r>
-              <a:rPr lang="es-MX" dirty="0" smtClean="0"/>
-              <a:t> </a:t>
-            </a:r>
-            <a:r>
-              <a:rPr lang="es-MX" dirty="0" err="1" smtClean="0"/>
-              <a:t>Mazman</a:t>
+              <a:t>Sinha</a:t>
             </a:r>
             <a:r>
               <a:rPr lang="es-MX" dirty="0" smtClean="0"/>
@@ -9568,19 +9747,11 @@
             </a:r>
             <a:r>
               <a:rPr lang="es-MX" dirty="0" err="1" smtClean="0"/>
-              <a:t>Akçapınar</a:t>
+              <a:t>Zhao</a:t>
             </a:r>
             <a:r>
               <a:rPr lang="es-MX" dirty="0" smtClean="0"/>
-              <a:t> </a:t>
-            </a:r>
-            <a:r>
-              <a:rPr lang="es-MX" dirty="0" err="1" smtClean="0"/>
-              <a:t>Sezer</a:t>
-            </a:r>
-            <a:r>
-              <a:rPr lang="es-MX" dirty="0" smtClean="0"/>
-              <a:t>, 2010) </a:t>
+              <a:t>, 2008)</a:t>
             </a:r>
             <a:endParaRPr lang="es-MX" dirty="0"/>
           </a:p>
@@ -9611,7 +9782,7 @@
       </p:sp>
       <p:pic>
         <p:nvPicPr>
-          <p:cNvPr id="40962" name="Picture 2" descr="http://www.formulaenlosnegocios.com.mx/wp-content/uploads/2011/09/Imagen_2.jpg"/>
+          <p:cNvPr id="39938" name="Picture 2" descr="http://plataforma.didacticaonline.es/file.php/1/Archivos_y_Documentos/0209.jpg"/>
           <p:cNvPicPr>
             <a:picLocks noChangeAspect="1" noChangeArrowheads="1"/>
           </p:cNvPicPr>
@@ -9626,8 +9797,8 @@
         </p:blipFill>
         <p:spPr bwMode="auto">
           <a:xfrm>
-            <a:off x="2483768" y="3645024"/>
-            <a:ext cx="4286250" cy="2457451"/>
+            <a:off x="2627784" y="3717032"/>
+            <a:ext cx="4048125" cy="2695576"/>
           </a:xfrm>
           <a:prstGeom prst="rect">
             <a:avLst/>
@@ -9677,65 +9848,74 @@
         </p:nvSpPr>
         <p:spPr>
           <a:xfrm>
-            <a:off x="457200" y="1340768"/>
-            <a:ext cx="8229600" cy="2448272"/>
+            <a:off x="457200" y="1481328"/>
+            <a:ext cx="8219256" cy="2955784"/>
           </a:xfrm>
         </p:spPr>
         <p:txBody>
           <a:bodyPr>
-            <a:normAutofit fontScale="70000" lnSpcReduction="20000"/>
+            <a:normAutofit fontScale="92500" lnSpcReduction="20000"/>
           </a:bodyPr>
           <a:lstStyle/>
           <a:p>
-            <a:pPr algn="just"/>
+            <a:pPr marL="624078" lvl="0" indent="-514350" algn="just">
+              <a:buFont typeface="+mj-lt"/>
+              <a:buAutoNum type="arabicPeriod"/>
+            </a:pPr>
             <a:r>
               <a:rPr lang="es-MX" dirty="0" smtClean="0"/>
-              <a:t>Investigaciones </a:t>
-            </a:r>
+              <a:t>Montar arquitectura del clúster.</a:t>
+            </a:r>
+          </a:p>
+          <a:p>
+            <a:pPr marL="624078" lvl="0" indent="-514350" algn="just">
+              <a:buFont typeface="+mj-lt"/>
+              <a:buAutoNum type="arabicPeriod"/>
+            </a:pPr>
             <a:r>
               <a:rPr lang="es-MX" dirty="0" smtClean="0"/>
-              <a:t>preliminares arrojan resultados de que el análisis de texto se puede realizar a través de palabras simples de una forma efectiva, ya que las palabras expresan en sí el contenido y el orden viene dado en su origen por la sintaxis, y para cuestiones de análisis de texto basta la comparación de estas palabras </a:t>
+              <a:t>Creación de la base de datos sobre </a:t>
+            </a:r>
+            <a:r>
+              <a:rPr lang="es-MX" dirty="0" err="1" smtClean="0"/>
+              <a:t>MySQL</a:t>
             </a:r>
             <a:r>
               <a:rPr lang="es-MX" dirty="0" smtClean="0"/>
-              <a:t>contenidas se puede </a:t>
-            </a:r>
+              <a:t>.</a:t>
+            </a:r>
+          </a:p>
+          <a:p>
+            <a:pPr marL="624078" lvl="0" indent="-514350" algn="just">
+              <a:buFont typeface="+mj-lt"/>
+              <a:buAutoNum type="arabicPeriod"/>
+            </a:pPr>
             <a:r>
               <a:rPr lang="es-MX" dirty="0" smtClean="0"/>
-              <a:t>clasificar el contenido en base a temas pre-clasificados utilizando diccionarios o bolsas de datos analizando cada palabra o </a:t>
-            </a:r>
-            <a:r>
-              <a:rPr lang="es-MX" dirty="0" err="1" smtClean="0"/>
-              <a:t>token</a:t>
-            </a:r>
+              <a:t>Desarrollo de los algoritmos para análisis de la información y corrección de errores.</a:t>
+            </a:r>
+          </a:p>
+          <a:p>
+            <a:pPr marL="624078" lvl="0" indent="-514350" algn="just">
+              <a:buFont typeface="+mj-lt"/>
+              <a:buAutoNum type="arabicPeriod"/>
+            </a:pPr>
             <a:r>
               <a:rPr lang="es-MX" dirty="0" smtClean="0"/>
-              <a:t>, de forma separada y en base a la cantidad y relación cantidad inversa, se añadían a clases o grupos predefinidos de temas. (</a:t>
-            </a:r>
-            <a:r>
-              <a:rPr lang="es-MX" dirty="0" err="1" smtClean="0"/>
-              <a:t>Chou</a:t>
-            </a:r>
+              <a:t>Integración de los algoritmos desarrollados con el Framework desarrollado.</a:t>
+            </a:r>
+          </a:p>
+          <a:p>
+            <a:pPr marL="624078" lvl="0" indent="-514350" algn="just">
+              <a:buFont typeface="+mj-lt"/>
+              <a:buAutoNum type="arabicPeriod"/>
+            </a:pPr>
             <a:r>
               <a:rPr lang="es-MX" dirty="0" smtClean="0"/>
-              <a:t>, </a:t>
-            </a:r>
-            <a:r>
-              <a:rPr lang="es-MX" dirty="0" err="1" smtClean="0"/>
-              <a:t>Sinha</a:t>
-            </a:r>
-            <a:r>
-              <a:rPr lang="es-MX" dirty="0" smtClean="0"/>
-              <a:t>, &amp; </a:t>
-            </a:r>
-            <a:r>
-              <a:rPr lang="es-MX" dirty="0" err="1" smtClean="0"/>
-              <a:t>Zhao</a:t>
-            </a:r>
-            <a:r>
-              <a:rPr lang="es-MX" dirty="0" smtClean="0"/>
-              <a:t>, 2008)</a:t>
-            </a:r>
+              <a:t>Montar los algoritmos y la base de datos en el clúster.</a:t>
+            </a:r>
+          </a:p>
+          <a:p>
             <a:endParaRPr lang="es-MX" dirty="0"/>
           </a:p>
         </p:txBody>
@@ -9752,12 +9932,14 @@
         </p:nvSpPr>
         <p:spPr/>
         <p:txBody>
-          <a:bodyPr/>
+          <a:bodyPr>
+            <a:normAutofit fontScale="90000"/>
+          </a:bodyPr>
           <a:lstStyle/>
           <a:p>
             <a:r>
               <a:rPr lang="es-MX" dirty="0" smtClean="0"/>
-              <a:t>Marco de Referencia</a:t>
+              <a:t>Método de Investigación Utilizado</a:t>
             </a:r>
             <a:endParaRPr lang="es-MX" dirty="0"/>
           </a:p>
@@ -9765,7 +9947,7 @@
       </p:sp>
       <p:pic>
         <p:nvPicPr>
-          <p:cNvPr id="39938" name="Picture 2" descr="http://plataforma.didacticaonline.es/file.php/1/Archivos_y_Documentos/0209.jpg"/>
+          <p:cNvPr id="5122" name="Picture 2" descr="http://mkt-rse.com/o2l/wp-content/uploads/2012/12/investigacion1.png"/>
           <p:cNvPicPr>
             <a:picLocks noChangeAspect="1" noChangeArrowheads="1"/>
           </p:cNvPicPr>
@@ -9780,18 +9962,13 @@
         </p:blipFill>
         <p:spPr bwMode="auto">
           <a:xfrm>
-            <a:off x="2627784" y="3717032"/>
-            <a:ext cx="4048125" cy="2695576"/>
+            <a:off x="2771800" y="3933056"/>
+            <a:ext cx="5472608" cy="2585863"/>
           </a:xfrm>
           <a:prstGeom prst="rect">
             <a:avLst/>
           </a:prstGeom>
-          <a:ln>
-            <a:noFill/>
-          </a:ln>
-          <a:effectLst>
-            <a:softEdge rad="112500"/>
-          </a:effectLst>
+          <a:noFill/>
         </p:spPr>
       </p:pic>
     </p:spTree>
@@ -9832,18 +10009,18 @@
         <p:spPr>
           <a:xfrm>
             <a:off x="457200" y="1481328"/>
-            <a:ext cx="8219256" cy="2955784"/>
+            <a:ext cx="8219256" cy="2667752"/>
           </a:xfrm>
         </p:spPr>
         <p:txBody>
           <a:bodyPr>
-            <a:normAutofit fontScale="92500" lnSpcReduction="20000"/>
+            <a:normAutofit fontScale="85000" lnSpcReduction="20000"/>
           </a:bodyPr>
           <a:lstStyle/>
           <a:p>
             <a:pPr marL="624078" lvl="0" indent="-514350" algn="just">
               <a:buFont typeface="+mj-lt"/>
-              <a:buAutoNum type="arabicPeriod"/>
+              <a:buAutoNum type="arabicPeriod" startAt="6"/>
             </a:pPr>
             <a:r>
               <a:rPr lang="es-MX" dirty="0" smtClean="0"/>
@@ -9853,7 +10030,7 @@
           <a:p>
             <a:pPr marL="624078" lvl="0" indent="-514350" algn="just">
               <a:buFont typeface="+mj-lt"/>
-              <a:buAutoNum type="arabicPeriod"/>
+              <a:buAutoNum type="arabicPeriod" startAt="6"/>
             </a:pPr>
             <a:r>
               <a:rPr lang="es-MX" dirty="0" smtClean="0"/>
@@ -9871,7 +10048,7 @@
           <a:p>
             <a:pPr marL="624078" lvl="0" indent="-514350" algn="just">
               <a:buFont typeface="+mj-lt"/>
-              <a:buAutoNum type="arabicPeriod"/>
+              <a:buAutoNum type="arabicPeriod" startAt="6"/>
             </a:pPr>
             <a:r>
               <a:rPr lang="es-MX" dirty="0" smtClean="0"/>
@@ -9881,7 +10058,7 @@
           <a:p>
             <a:pPr marL="624078" lvl="0" indent="-514350" algn="just">
               <a:buFont typeface="+mj-lt"/>
-              <a:buAutoNum type="arabicPeriod"/>
+              <a:buAutoNum type="arabicPeriod" startAt="6"/>
             </a:pPr>
             <a:r>
               <a:rPr lang="es-MX" dirty="0" smtClean="0"/>
@@ -9891,7 +10068,7 @@
           <a:p>
             <a:pPr marL="624078" lvl="0" indent="-514350" algn="just">
               <a:buFont typeface="+mj-lt"/>
-              <a:buAutoNum type="arabicPeriod"/>
+              <a:buAutoNum type="arabicPeriod" startAt="6"/>
             </a:pPr>
             <a:r>
               <a:rPr lang="es-MX" dirty="0" smtClean="0"/>
@@ -9930,7 +10107,7 @@
       </p:sp>
       <p:pic>
         <p:nvPicPr>
-          <p:cNvPr id="5122" name="Picture 2" descr="http://mkt-rse.com/o2l/wp-content/uploads/2012/12/investigacion1.png"/>
+          <p:cNvPr id="38914" name="Picture 2" descr="http://cinop.com.mx/wp-content/uploads/2012/06/img8.png"/>
           <p:cNvPicPr>
             <a:picLocks noChangeAspect="1" noChangeArrowheads="1"/>
           </p:cNvPicPr>
@@ -9945,13 +10122,18 @@
         </p:blipFill>
         <p:spPr bwMode="auto">
           <a:xfrm>
-            <a:off x="2771800" y="3933056"/>
-            <a:ext cx="5472608" cy="2585863"/>
+            <a:off x="3203848" y="3861048"/>
+            <a:ext cx="3057525" cy="2590800"/>
           </a:xfrm>
           <a:prstGeom prst="rect">
             <a:avLst/>
           </a:prstGeom>
-          <a:noFill/>
+          <a:ln>
+            <a:noFill/>
+          </a:ln>
+          <a:effectLst>
+            <a:softEdge rad="112500"/>
+          </a:effectLst>
         </p:spPr>
       </p:pic>
     </p:spTree>
@@ -9992,73 +10174,72 @@
         <p:spPr>
           <a:xfrm>
             <a:off x="457200" y="1481328"/>
-            <a:ext cx="8219256" cy="2667752"/>
+            <a:ext cx="8229600" cy="2019680"/>
           </a:xfrm>
         </p:spPr>
         <p:txBody>
           <a:bodyPr>
-            <a:normAutofit fontScale="85000" lnSpcReduction="20000"/>
+            <a:normAutofit fontScale="70000" lnSpcReduction="20000"/>
           </a:bodyPr>
           <a:lstStyle/>
           <a:p>
-            <a:pPr marL="624078" lvl="0" indent="-514350" algn="just">
-              <a:buFont typeface="+mj-lt"/>
-              <a:buAutoNum type="arabicPeriod" startAt="6"/>
-            </a:pPr>
+            <a:pPr algn="just"/>
             <a:r>
               <a:rPr lang="es-MX" dirty="0" smtClean="0"/>
-              <a:t>Montar arquitectura del clúster.</a:t>
-            </a:r>
-          </a:p>
-          <a:p>
-            <a:pPr marL="624078" lvl="0" indent="-514350" algn="just">
-              <a:buFont typeface="+mj-lt"/>
-              <a:buAutoNum type="arabicPeriod" startAt="6"/>
-            </a:pPr>
+              <a:t>Para la minería de datos se emplean varias técnicas para extraer información de los sitios de redes sociales incluyendo el uso de Web </a:t>
+            </a:r>
+            <a:r>
+              <a:rPr lang="es-MX" dirty="0" err="1" smtClean="0"/>
+              <a:t>Crawlers</a:t>
+            </a:r>
             <a:r>
               <a:rPr lang="es-MX" dirty="0" smtClean="0"/>
-              <a:t>Creación de la base de datos sobre </a:t>
+              <a:t>, que es la técnica más común, ataques de </a:t>
             </a:r>
             <a:r>
               <a:rPr lang="es-MX" dirty="0" err="1" smtClean="0"/>
-              <a:t>MySQL</a:t>
+              <a:t>Phishing</a:t>
             </a:r>
             <a:r>
               <a:rPr lang="es-MX" dirty="0" smtClean="0"/>
-              <a:t>.</a:t>
-            </a:r>
-          </a:p>
-          <a:p>
-            <a:pPr marL="624078" lvl="0" indent="-514350" algn="just">
-              <a:buFont typeface="+mj-lt"/>
-              <a:buAutoNum type="arabicPeriod" startAt="6"/>
-            </a:pPr>
+              <a:t>, aplicaciones de terceros, creando perfiles falsos en la red social a ser analizada. El uso de Web </a:t>
+            </a:r>
+            <a:r>
+              <a:rPr lang="es-MX" dirty="0" err="1" smtClean="0"/>
+              <a:t>Crawlers</a:t>
+            </a:r>
             <a:r>
               <a:rPr lang="es-MX" dirty="0" smtClean="0"/>
-              <a:t>Desarrollo de los algoritmos para análisis de la información y corrección de errores.</a:t>
-            </a:r>
-          </a:p>
-          <a:p>
-            <a:pPr marL="624078" lvl="0" indent="-514350" algn="just">
-              <a:buFont typeface="+mj-lt"/>
-              <a:buAutoNum type="arabicPeriod" startAt="6"/>
-            </a:pPr>
+              <a:t> implica crear scripts para </a:t>
+            </a:r>
+            <a:r>
+              <a:rPr lang="es-MX" dirty="0" err="1" smtClean="0"/>
+              <a:t>Crawling</a:t>
+            </a:r>
             <a:r>
               <a:rPr lang="es-MX" dirty="0" smtClean="0"/>
-              <a:t>Integración de los algoritmos desarrollados con el Framework desarrollado.</a:t>
-            </a:r>
-          </a:p>
-          <a:p>
-            <a:pPr marL="624078" lvl="0" indent="-514350" algn="just">
-              <a:buFont typeface="+mj-lt"/>
-              <a:buAutoNum type="arabicPeriod" startAt="6"/>
-            </a:pPr>
+              <a:t> comúnmente conocidos como arañas, para recolectar a través de los perfiles públicos de </a:t>
+            </a:r>
+            <a:r>
+              <a:rPr lang="es-MX" i="1" dirty="0" err="1" smtClean="0"/>
+              <a:t>Facebook</a:t>
+            </a:r>
+            <a:r>
+              <a:rPr lang="es-MX" i="1" dirty="0" smtClean="0"/>
+              <a:t>. </a:t>
+            </a:r>
             <a:r>
               <a:rPr lang="es-MX" dirty="0" smtClean="0"/>
-              <a:t>Montar los algoritmos y la base de datos en el clúster.</a:t>
-            </a:r>
-          </a:p>
-          <a:p>
+              <a:t>(Al-</a:t>
+            </a:r>
+            <a:r>
+              <a:rPr lang="es-MX" dirty="0" err="1" smtClean="0"/>
+              <a:t>Saggaf</a:t>
+            </a:r>
+            <a:r>
+              <a:rPr lang="es-MX" dirty="0" smtClean="0"/>
+              <a:t> &amp; Islam, 2014)</a:t>
+            </a:r>
             <a:endParaRPr lang="es-MX" dirty="0"/>
           </a:p>
         </p:txBody>
@@ -10075,14 +10256,12 @@
         </p:nvSpPr>
         <p:spPr/>
         <p:txBody>
-          <a:bodyPr>
-            <a:normAutofit fontScale="90000"/>
-          </a:bodyPr>
+          <a:bodyPr/>
           <a:lstStyle/>
           <a:p>
             <a:r>
               <a:rPr lang="es-MX" dirty="0" smtClean="0"/>
-              <a:t>Método de Investigación Utilizado</a:t>
+              <a:t>Experimentación</a:t>
             </a:r>
             <a:endParaRPr lang="es-MX" dirty="0"/>
           </a:p>
@@ -10090,7 +10269,7 @@
       </p:sp>
       <p:pic>
         <p:nvPicPr>
-          <p:cNvPr id="38914" name="Picture 2" descr="http://cinop.com.mx/wp-content/uploads/2012/06/img8.png"/>
+          <p:cNvPr id="4098" name="Picture 2" descr="http://travelreportmx.com/wp-content/uploads/2013/08/url65.jpeg"/>
           <p:cNvPicPr>
             <a:picLocks noChangeAspect="1" noChangeArrowheads="1"/>
           </p:cNvPicPr>
@@ -10105,8 +10284,8 @@
         </p:blipFill>
         <p:spPr bwMode="auto">
           <a:xfrm>
-            <a:off x="3203848" y="3861048"/>
-            <a:ext cx="3057525" cy="2590800"/>
+            <a:off x="2699792" y="3501008"/>
+            <a:ext cx="3600400" cy="2880320"/>
           </a:xfrm>
           <a:prstGeom prst="rect">
             <a:avLst/>
@@ -10162,168 +10341,6 @@
         </p:spPr>
         <p:txBody>
           <a:bodyPr>
-            <a:normAutofit fontScale="70000" lnSpcReduction="20000"/>
-          </a:bodyPr>
-          <a:lstStyle/>
-          <a:p>
-            <a:pPr algn="just"/>
-            <a:r>
-              <a:rPr lang="es-MX" dirty="0" smtClean="0"/>
-              <a:t>Para la minería de datos se emplean varias técnicas para extraer información de los sitios de redes sociales incluyendo el uso de Web </a:t>
-            </a:r>
-            <a:r>
-              <a:rPr lang="es-MX" dirty="0" err="1" smtClean="0"/>
-              <a:t>Crawlers</a:t>
-            </a:r>
-            <a:r>
-              <a:rPr lang="es-MX" dirty="0" smtClean="0"/>
-              <a:t>, que es la técnica más común, ataques de </a:t>
-            </a:r>
-            <a:r>
-              <a:rPr lang="es-MX" dirty="0" err="1" smtClean="0"/>
-              <a:t>Phishing</a:t>
-            </a:r>
-            <a:r>
-              <a:rPr lang="es-MX" dirty="0" smtClean="0"/>
-              <a:t>, aplicaciones de terceros, creando perfiles falsos en la red social a ser analizada. El uso de Web </a:t>
-            </a:r>
-            <a:r>
-              <a:rPr lang="es-MX" dirty="0" err="1" smtClean="0"/>
-              <a:t>Crawlers</a:t>
-            </a:r>
-            <a:r>
-              <a:rPr lang="es-MX" dirty="0" smtClean="0"/>
-              <a:t> implica crear scripts para </a:t>
-            </a:r>
-            <a:r>
-              <a:rPr lang="es-MX" dirty="0" err="1" smtClean="0"/>
-              <a:t>Crawling</a:t>
-            </a:r>
-            <a:r>
-              <a:rPr lang="es-MX" dirty="0" smtClean="0"/>
-              <a:t> comúnmente conocidos como arañas, para recolectar a través de los perfiles públicos de </a:t>
-            </a:r>
-            <a:r>
-              <a:rPr lang="es-MX" i="1" dirty="0" err="1" smtClean="0"/>
-              <a:t>Facebook</a:t>
-            </a:r>
-            <a:r>
-              <a:rPr lang="es-MX" i="1" dirty="0" smtClean="0"/>
-              <a:t>. </a:t>
-            </a:r>
-            <a:r>
-              <a:rPr lang="es-MX" dirty="0" smtClean="0"/>
-              <a:t>(Al-</a:t>
-            </a:r>
-            <a:r>
-              <a:rPr lang="es-MX" dirty="0" err="1" smtClean="0"/>
-              <a:t>Saggaf</a:t>
-            </a:r>
-            <a:r>
-              <a:rPr lang="es-MX" dirty="0" smtClean="0"/>
-              <a:t> &amp; Islam, 2014)</a:t>
-            </a:r>
-            <a:endParaRPr lang="es-MX" dirty="0"/>
-          </a:p>
-        </p:txBody>
-      </p:sp>
-      <p:sp>
-        <p:nvSpPr>
-          <p:cNvPr id="2" name="1 Título"/>
-          <p:cNvSpPr>
-            <a:spLocks noGrp="1"/>
-          </p:cNvSpPr>
-          <p:nvPr>
-            <p:ph type="title"/>
-          </p:nvPr>
-        </p:nvSpPr>
-        <p:spPr/>
-        <p:txBody>
-          <a:bodyPr/>
-          <a:lstStyle/>
-          <a:p>
-            <a:r>
-              <a:rPr lang="es-MX" dirty="0" smtClean="0"/>
-              <a:t>Experimentación</a:t>
-            </a:r>
-            <a:endParaRPr lang="es-MX" dirty="0"/>
-          </a:p>
-        </p:txBody>
-      </p:sp>
-      <p:pic>
-        <p:nvPicPr>
-          <p:cNvPr id="4098" name="Picture 2" descr="http://travelreportmx.com/wp-content/uploads/2013/08/url65.jpeg"/>
-          <p:cNvPicPr>
-            <a:picLocks noChangeAspect="1" noChangeArrowheads="1"/>
-          </p:cNvPicPr>
-          <p:nvPr/>
-        </p:nvPicPr>
-        <p:blipFill>
-          <a:blip r:embed="rId2" cstate="print"/>
-          <a:srcRect/>
-          <a:stretch>
-            <a:fillRect/>
-          </a:stretch>
-        </p:blipFill>
-        <p:spPr bwMode="auto">
-          <a:xfrm>
-            <a:off x="2699792" y="3501008"/>
-            <a:ext cx="3600400" cy="2880320"/>
-          </a:xfrm>
-          <a:prstGeom prst="rect">
-            <a:avLst/>
-          </a:prstGeom>
-          <a:ln>
-            <a:noFill/>
-          </a:ln>
-          <a:effectLst>
-            <a:softEdge rad="112500"/>
-          </a:effectLst>
-        </p:spPr>
-      </p:pic>
-    </p:spTree>
-  </p:cSld>
-  <p:clrMapOvr>
-    <a:masterClrMapping/>
-  </p:clrMapOvr>
-</p:sld>
-</file>
-
-<file path=ppt/slides/slide19.xml><?xml version="1.0" encoding="utf-8"?>
-<p:sld xmlns:a="http://schemas.openxmlformats.org/drawingml/2006/main" xmlns:r="http://schemas.openxmlformats.org/officeDocument/2006/relationships" xmlns:p="http://schemas.openxmlformats.org/presentationml/2006/main">
-  <p:cSld>
-    <p:spTree>
-      <p:nvGrpSpPr>
-        <p:cNvPr id="1" name=""/>
-        <p:cNvGrpSpPr/>
-        <p:nvPr/>
-      </p:nvGrpSpPr>
-      <p:grpSpPr>
-        <a:xfrm>
-          <a:off x="0" y="0"/>
-          <a:ext cx="0" cy="0"/>
-          <a:chOff x="0" y="0"/>
-          <a:chExt cx="0" cy="0"/>
-        </a:xfrm>
-      </p:grpSpPr>
-      <p:sp>
-        <p:nvSpPr>
-          <p:cNvPr id="3" name="2 Marcador de contenido"/>
-          <p:cNvSpPr>
-            <a:spLocks noGrp="1"/>
-          </p:cNvSpPr>
-          <p:nvPr>
-            <p:ph idx="1"/>
-          </p:nvPr>
-        </p:nvSpPr>
-        <p:spPr>
-          <a:xfrm>
-            <a:off x="457200" y="1481328"/>
-            <a:ext cx="8229600" cy="2019680"/>
-          </a:xfrm>
-        </p:spPr>
-        <p:txBody>
-          <a:bodyPr>
             <a:normAutofit fontScale="77500" lnSpcReduction="20000"/>
           </a:bodyPr>
           <a:lstStyle/>
@@ -10402,6 +10419,204 @@
 </p:sld>
 </file>
 
+<file path=ppt/slides/slide19.xml><?xml version="1.0" encoding="utf-8"?>
+<p:sld xmlns:a="http://schemas.openxmlformats.org/drawingml/2006/main" xmlns:r="http://schemas.openxmlformats.org/officeDocument/2006/relationships" xmlns:p="http://schemas.openxmlformats.org/presentationml/2006/main">
+  <p:cSld>
+    <p:spTree>
+      <p:nvGrpSpPr>
+        <p:cNvPr id="1" name=""/>
+        <p:cNvGrpSpPr/>
+        <p:nvPr/>
+      </p:nvGrpSpPr>
+      <p:grpSpPr>
+        <a:xfrm>
+          <a:off x="0" y="0"/>
+          <a:ext cx="0" cy="0"/>
+          <a:chOff x="0" y="0"/>
+          <a:chExt cx="0" cy="0"/>
+        </a:xfrm>
+      </p:grpSpPr>
+      <p:sp>
+        <p:nvSpPr>
+          <p:cNvPr id="2" name="1 Título"/>
+          <p:cNvSpPr>
+            <a:spLocks noGrp="1"/>
+          </p:cNvSpPr>
+          <p:nvPr>
+            <p:ph type="title"/>
+          </p:nvPr>
+        </p:nvSpPr>
+        <p:spPr/>
+        <p:txBody>
+          <a:bodyPr/>
+          <a:lstStyle/>
+          <a:p>
+            <a:r>
+              <a:rPr lang="es-MX" dirty="0" smtClean="0"/>
+              <a:t>Experimentación</a:t>
+            </a:r>
+            <a:endParaRPr lang="es-MX" dirty="0"/>
+          </a:p>
+        </p:txBody>
+      </p:sp>
+      <p:sp>
+        <p:nvSpPr>
+          <p:cNvPr id="4" name="1 Marcador de contenido"/>
+          <p:cNvSpPr>
+            <a:spLocks noGrp="1"/>
+          </p:cNvSpPr>
+          <p:nvPr>
+            <p:ph idx="1"/>
+          </p:nvPr>
+        </p:nvSpPr>
+        <p:spPr>
+          <a:xfrm>
+            <a:off x="457200" y="1481328"/>
+            <a:ext cx="8229600" cy="4525963"/>
+          </a:xfrm>
+        </p:spPr>
+        <p:txBody>
+          <a:bodyPr>
+            <a:normAutofit fontScale="77500" lnSpcReduction="20000"/>
+          </a:bodyPr>
+          <a:lstStyle/>
+          <a:p>
+            <a:pPr algn="just"/>
+            <a:r>
+              <a:rPr lang="es-MX" dirty="0" smtClean="0"/>
+              <a:t>Es necesario iniciar sesión en </a:t>
+            </a:r>
+            <a:r>
+              <a:rPr lang="es-MX" dirty="0" err="1" smtClean="0"/>
+              <a:t>Facebook</a:t>
+            </a:r>
+            <a:r>
+              <a:rPr lang="es-MX" dirty="0" smtClean="0"/>
+              <a:t>.</a:t>
+            </a:r>
+          </a:p>
+          <a:p>
+            <a:pPr algn="just"/>
+            <a:r>
+              <a:rPr lang="es-MX" dirty="0" smtClean="0"/>
+              <a:t>Después de aprox. 1500 consultas es necesario cambiar los encabezados que se mandan al iniciar sesión.</a:t>
+            </a:r>
+          </a:p>
+          <a:p>
+            <a:pPr algn="just"/>
+            <a:r>
+              <a:rPr lang="es-MX" dirty="0" smtClean="0"/>
+              <a:t>La API </a:t>
+            </a:r>
+            <a:r>
+              <a:rPr lang="es-MX" dirty="0" err="1" smtClean="0"/>
+              <a:t>Graph</a:t>
+            </a:r>
+            <a:r>
+              <a:rPr lang="es-MX" dirty="0" smtClean="0"/>
+              <a:t> de </a:t>
+            </a:r>
+            <a:r>
+              <a:rPr lang="es-MX" dirty="0" err="1" smtClean="0"/>
+              <a:t>Facebook</a:t>
+            </a:r>
+            <a:r>
+              <a:rPr lang="es-MX" dirty="0" smtClean="0"/>
+              <a:t> sólo apoya para obtener el lenguaje y la URL de los perfiles.</a:t>
+            </a:r>
+          </a:p>
+          <a:p>
+            <a:pPr algn="just"/>
+            <a:r>
+              <a:rPr lang="es-MX" dirty="0" smtClean="0"/>
+              <a:t>Sólo se tomaron en cuenta perfiles de habla inglesa.</a:t>
+            </a:r>
+          </a:p>
+          <a:p>
+            <a:pPr algn="just"/>
+            <a:r>
+              <a:rPr lang="es-MX" dirty="0" smtClean="0"/>
+              <a:t>Los comentarios y </a:t>
+            </a:r>
+            <a:r>
+              <a:rPr lang="es-MX" dirty="0" err="1" smtClean="0"/>
+              <a:t>posts</a:t>
+            </a:r>
+            <a:r>
+              <a:rPr lang="es-MX" dirty="0" smtClean="0"/>
+              <a:t> tienen una estructura irregular por lo que no aparecen disponibles todos sus campos siempre.</a:t>
+            </a:r>
+          </a:p>
+          <a:p>
+            <a:pPr algn="just"/>
+            <a:r>
+              <a:rPr lang="es-MX" dirty="0" smtClean="0"/>
+              <a:t>Es necesario eliminar sufijos, plurales y variaciones de una misma palabra (Algoritmo </a:t>
+            </a:r>
+            <a:r>
+              <a:rPr lang="es-MX" dirty="0" err="1" smtClean="0"/>
+              <a:t>Porter</a:t>
+            </a:r>
+            <a:r>
+              <a:rPr lang="es-MX" dirty="0" smtClean="0"/>
+              <a:t> </a:t>
+            </a:r>
+            <a:r>
+              <a:rPr lang="es-MX" dirty="0" err="1" smtClean="0"/>
+              <a:t>Stemming</a:t>
+            </a:r>
+            <a:r>
+              <a:rPr lang="es-MX" dirty="0" smtClean="0"/>
+              <a:t>).</a:t>
+            </a:r>
+          </a:p>
+          <a:p>
+            <a:pPr algn="just"/>
+            <a:r>
+              <a:rPr lang="es-MX" dirty="0" smtClean="0"/>
+              <a:t>Se deben eliminar signos de puntuación.</a:t>
+            </a:r>
+          </a:p>
+          <a:p>
+            <a:pPr algn="just"/>
+            <a:r>
+              <a:rPr lang="es-MX" dirty="0" smtClean="0"/>
+              <a:t>Los símbolos en formato hexadecimal son reemplazados por su representación UTF-8.</a:t>
+            </a:r>
+          </a:p>
+          <a:p>
+            <a:pPr algn="just"/>
+            <a:r>
+              <a:rPr lang="es-MX" dirty="0" smtClean="0"/>
+              <a:t>Se utilizaron diccionarios para la clasificación de los </a:t>
+            </a:r>
+            <a:r>
+              <a:rPr lang="es-MX" dirty="0" err="1" smtClean="0"/>
+              <a:t>posts</a:t>
+            </a:r>
+            <a:r>
+              <a:rPr lang="es-MX" dirty="0" smtClean="0"/>
+              <a:t>.</a:t>
+            </a:r>
+            <a:endParaRPr lang="es-MX" dirty="0"/>
+          </a:p>
+        </p:txBody>
+      </p:sp>
+    </p:spTree>
+  </p:cSld>
+  <p:clrMapOvr>
+    <a:masterClrMapping/>
+  </p:clrMapOvr>
+  <p:timing>
+    <p:tnLst>
+      <p:par>
+        <p:cTn id="1" dur="indefinite" restart="never" nodeType="tmRoot"/>
+      </p:par>
+    </p:tnLst>
+  </p:timing>
+</p:sld>
+</file>
+
 <file path=ppt/slides/slide2.xml><?xml version="1.0" encoding="utf-8"?>
 <p:sld xmlns:a="http://schemas.openxmlformats.org/drawingml/2006/main" xmlns:r="http://schemas.openxmlformats.org/officeDocument/2006/relationships" xmlns:p="http://schemas.openxmlformats.org/presentationml/2006/main">
   <p:cSld>
@@ -10515,13 +10730,6 @@
               </a:rPr>
               <a:t>Hipótesis</a:t>
             </a:r>
-            <a:endParaRPr lang="es-MX" dirty="0" smtClean="0">
-              <a:solidFill>
-                <a:schemeClr val="tx2">
-                  <a:lumMod val="75000"/>
-                </a:schemeClr>
-              </a:solidFill>
-            </a:endParaRPr>
           </a:p>
           <a:p>
             <a:r>
@@ -10534,13 +10742,6 @@
               </a:rPr>
               <a:t>Justificación</a:t>
             </a:r>
-            <a:endParaRPr lang="es-MX" dirty="0" smtClean="0">
-              <a:solidFill>
-                <a:schemeClr val="tx2">
-                  <a:lumMod val="75000"/>
-                </a:schemeClr>
-              </a:solidFill>
-            </a:endParaRPr>
           </a:p>
           <a:p>
             <a:r>
@@ -10565,13 +10766,6 @@
               </a:rPr>
               <a:t>Preguntas de Investigación</a:t>
             </a:r>
-            <a:endParaRPr lang="es-MX" dirty="0" smtClean="0">
-              <a:solidFill>
-                <a:schemeClr val="tx2">
-                  <a:lumMod val="75000"/>
-                </a:schemeClr>
-              </a:solidFill>
-            </a:endParaRPr>
           </a:p>
           <a:p>
             <a:r>
@@ -10596,13 +10790,6 @@
               </a:rPr>
               <a:t>Marco de Referencia</a:t>
             </a:r>
-            <a:endParaRPr lang="es-MX" dirty="0" smtClean="0">
-              <a:solidFill>
-                <a:schemeClr val="tx2">
-                  <a:lumMod val="75000"/>
-                </a:schemeClr>
-              </a:solidFill>
-            </a:endParaRPr>
           </a:p>
           <a:p>
             <a:r>
@@ -10627,13 +10814,6 @@
               </a:rPr>
               <a:t>Experimentación</a:t>
             </a:r>
-            <a:endParaRPr lang="es-MX" dirty="0" smtClean="0">
-              <a:solidFill>
-                <a:schemeClr val="tx2">
-                  <a:lumMod val="75000"/>
-                </a:schemeClr>
-              </a:solidFill>
-            </a:endParaRPr>
           </a:p>
           <a:p>
             <a:r>
@@ -10658,13 +10838,6 @@
               </a:rPr>
               <a:t>Conclusiones</a:t>
             </a:r>
-            <a:endParaRPr lang="es-MX" dirty="0" smtClean="0">
-              <a:solidFill>
-                <a:schemeClr val="tx2">
-                  <a:lumMod val="75000"/>
-                </a:schemeClr>
-              </a:solidFill>
-            </a:endParaRPr>
           </a:p>
           <a:p>
             <a:r>
@@ -10993,204 +11166,6 @@
 </file>
 
 <file path=ppt/slides/slide20.xml><?xml version="1.0" encoding="utf-8"?>
-<p:sld xmlns:a="http://schemas.openxmlformats.org/drawingml/2006/main" xmlns:r="http://schemas.openxmlformats.org/officeDocument/2006/relationships" xmlns:p="http://schemas.openxmlformats.org/presentationml/2006/main">
-  <p:cSld>
-    <p:spTree>
-      <p:nvGrpSpPr>
-        <p:cNvPr id="1" name=""/>
-        <p:cNvGrpSpPr/>
-        <p:nvPr/>
-      </p:nvGrpSpPr>
-      <p:grpSpPr>
-        <a:xfrm>
-          <a:off x="0" y="0"/>
-          <a:ext cx="0" cy="0"/>
-          <a:chOff x="0" y="0"/>
-          <a:chExt cx="0" cy="0"/>
-        </a:xfrm>
-      </p:grpSpPr>
-      <p:sp>
-        <p:nvSpPr>
-          <p:cNvPr id="2" name="1 Título"/>
-          <p:cNvSpPr>
-            <a:spLocks noGrp="1"/>
-          </p:cNvSpPr>
-          <p:nvPr>
-            <p:ph type="title"/>
-          </p:nvPr>
-        </p:nvSpPr>
-        <p:spPr/>
-        <p:txBody>
-          <a:bodyPr/>
-          <a:lstStyle/>
-          <a:p>
-            <a:r>
-              <a:rPr lang="es-MX" dirty="0" smtClean="0"/>
-              <a:t>Experimentación</a:t>
-            </a:r>
-            <a:endParaRPr lang="es-MX" dirty="0"/>
-          </a:p>
-        </p:txBody>
-      </p:sp>
-      <p:sp>
-        <p:nvSpPr>
-          <p:cNvPr id="4" name="1 Marcador de contenido"/>
-          <p:cNvSpPr>
-            <a:spLocks noGrp="1"/>
-          </p:cNvSpPr>
-          <p:nvPr>
-            <p:ph idx="1"/>
-          </p:nvPr>
-        </p:nvSpPr>
-        <p:spPr>
-          <a:xfrm>
-            <a:off x="457200" y="1481328"/>
-            <a:ext cx="8229600" cy="4525963"/>
-          </a:xfrm>
-        </p:spPr>
-        <p:txBody>
-          <a:bodyPr>
-            <a:normAutofit fontScale="77500" lnSpcReduction="20000"/>
-          </a:bodyPr>
-          <a:lstStyle/>
-          <a:p>
-            <a:pPr algn="just"/>
-            <a:r>
-              <a:rPr lang="es-MX" dirty="0" smtClean="0"/>
-              <a:t>Es necesario iniciar sesión en </a:t>
-            </a:r>
-            <a:r>
-              <a:rPr lang="es-MX" dirty="0" err="1" smtClean="0"/>
-              <a:t>Facebook</a:t>
-            </a:r>
-            <a:r>
-              <a:rPr lang="es-MX" dirty="0" smtClean="0"/>
-              <a:t>.</a:t>
-            </a:r>
-          </a:p>
-          <a:p>
-            <a:pPr algn="just"/>
-            <a:r>
-              <a:rPr lang="es-MX" dirty="0" smtClean="0"/>
-              <a:t>Después de aprox. 1500 consultas es necesario cambiar los encabezados que se mandan al iniciar sesión.</a:t>
-            </a:r>
-          </a:p>
-          <a:p>
-            <a:pPr algn="just"/>
-            <a:r>
-              <a:rPr lang="es-MX" dirty="0" smtClean="0"/>
-              <a:t>La API </a:t>
-            </a:r>
-            <a:r>
-              <a:rPr lang="es-MX" dirty="0" err="1" smtClean="0"/>
-              <a:t>Graph</a:t>
-            </a:r>
-            <a:r>
-              <a:rPr lang="es-MX" dirty="0" smtClean="0"/>
-              <a:t> de </a:t>
-            </a:r>
-            <a:r>
-              <a:rPr lang="es-MX" dirty="0" err="1" smtClean="0"/>
-              <a:t>Facebook</a:t>
-            </a:r>
-            <a:r>
-              <a:rPr lang="es-MX" dirty="0" smtClean="0"/>
-              <a:t> sólo apoya para obtener el lenguaje y la URL de los perfiles.</a:t>
-            </a:r>
-          </a:p>
-          <a:p>
-            <a:pPr algn="just"/>
-            <a:r>
-              <a:rPr lang="es-MX" dirty="0" smtClean="0"/>
-              <a:t>Sólo se tomaron en cuenta perfiles de habla inglesa.</a:t>
-            </a:r>
-          </a:p>
-          <a:p>
-            <a:pPr algn="just"/>
-            <a:r>
-              <a:rPr lang="es-MX" dirty="0" smtClean="0"/>
-              <a:t>Los comentarios y </a:t>
-            </a:r>
-            <a:r>
-              <a:rPr lang="es-MX" dirty="0" err="1" smtClean="0"/>
-              <a:t>posts</a:t>
-            </a:r>
-            <a:r>
-              <a:rPr lang="es-MX" dirty="0" smtClean="0"/>
-              <a:t> tienen una estructura irregular por lo que no aparecen disponibles todos sus campos siempre.</a:t>
-            </a:r>
-          </a:p>
-          <a:p>
-            <a:pPr algn="just"/>
-            <a:r>
-              <a:rPr lang="es-MX" dirty="0" smtClean="0"/>
-              <a:t>Es necesario eliminar sufijos, plurales y variaciones de una misma palabra (Algoritmo </a:t>
-            </a:r>
-            <a:r>
-              <a:rPr lang="es-MX" dirty="0" err="1" smtClean="0"/>
-              <a:t>Porter</a:t>
-            </a:r>
-            <a:r>
-              <a:rPr lang="es-MX" dirty="0" smtClean="0"/>
-              <a:t> </a:t>
-            </a:r>
-            <a:r>
-              <a:rPr lang="es-MX" dirty="0" err="1" smtClean="0"/>
-              <a:t>Stemming</a:t>
-            </a:r>
-            <a:r>
-              <a:rPr lang="es-MX" dirty="0" smtClean="0"/>
-              <a:t>).</a:t>
-            </a:r>
-          </a:p>
-          <a:p>
-            <a:pPr algn="just"/>
-            <a:r>
-              <a:rPr lang="es-MX" dirty="0" smtClean="0"/>
-              <a:t>Se deben eliminar signos de puntuación.</a:t>
-            </a:r>
-          </a:p>
-          <a:p>
-            <a:pPr algn="just"/>
-            <a:r>
-              <a:rPr lang="es-MX" dirty="0" smtClean="0"/>
-              <a:t>Los símbolos en formato hexadecimal son reemplazados por su representación UTF-8.</a:t>
-            </a:r>
-          </a:p>
-          <a:p>
-            <a:pPr algn="just"/>
-            <a:r>
-              <a:rPr lang="es-MX" dirty="0" smtClean="0"/>
-              <a:t>Se utilizaron diccionarios para la clasificación de los </a:t>
-            </a:r>
-            <a:r>
-              <a:rPr lang="es-MX" dirty="0" err="1" smtClean="0"/>
-              <a:t>posts</a:t>
-            </a:r>
-            <a:r>
-              <a:rPr lang="es-MX" dirty="0" smtClean="0"/>
-              <a:t>.</a:t>
-            </a:r>
-            <a:endParaRPr lang="es-MX" dirty="0"/>
-          </a:p>
-        </p:txBody>
-      </p:sp>
-    </p:spTree>
-  </p:cSld>
-  <p:clrMapOvr>
-    <a:masterClrMapping/>
-  </p:clrMapOvr>
-  <p:timing>
-    <p:tnLst>
-      <p:par>
-        <p:cTn id="1" dur="indefinite" restart="never" nodeType="tmRoot"/>
-      </p:par>
-    </p:tnLst>
-  </p:timing>
-</p:sld>
-</file>
-
-<file path=ppt/slides/slide21.xml><?xml version="1.0" encoding="utf-8"?>
 <p:sld xmlns:a="http://schemas.openxmlformats.org/drawingml/2006/main" xmlns:r="http://schemas.openxmlformats.org/officeDocument/2006/relationships" xmlns:p="http://schemas.openxmlformats.org/presentationml/2006/main">
   <p:cSld>
     <p:spTree>
@@ -12487,7 +12462,7 @@
 </p:sld>
 </file>
 
-<file path=ppt/slides/slide22.xml><?xml version="1.0" encoding="utf-8"?>
+<file path=ppt/slides/slide21.xml><?xml version="1.0" encoding="utf-8"?>
 <p:sld xmlns:a="http://schemas.openxmlformats.org/drawingml/2006/main" xmlns:r="http://schemas.openxmlformats.org/officeDocument/2006/relationships" xmlns:p="http://schemas.openxmlformats.org/presentationml/2006/main">
   <p:cSld>
     <p:spTree>
@@ -13633,7 +13608,7 @@
 </p:sld>
 </file>
 
-<file path=ppt/slides/slide23.xml><?xml version="1.0" encoding="utf-8"?>
+<file path=ppt/slides/slide22.xml><?xml version="1.0" encoding="utf-8"?>
 <p:sld xmlns:a="http://schemas.openxmlformats.org/drawingml/2006/main" xmlns:r="http://schemas.openxmlformats.org/officeDocument/2006/relationships" xmlns:p="http://schemas.openxmlformats.org/presentationml/2006/main">
   <p:cSld>
     <p:spTree>
@@ -13691,7 +13666,7 @@
           <a:blip r:embed="rId2" cstate="print">
             <a:extLst>
               <a:ext uri="{28A0092B-C50C-407E-A947-70E740481C1C}">
-                <a14:useLocalDpi xmlns:ve="http://schemas.openxmlformats.org/markup-compatibility/2006" xmlns:m="http://schemas.openxmlformats.org/officeDocument/2006/math" xmlns:wp="http://schemas.openxmlformats.org/drawingml/2006/wordprocessingDrawing" xmlns:wne="http://schemas.microsoft.com/office/word/2006/wordml" xmlns="" xmlns:wpc="http://schemas.microsoft.com/office/word/2010/wordprocessingCanvas" xmlns:mc="http://schemas.openxmlformats.org/markup-compatibility/2006" xmlns:o="urn:schemas-microsoft-com:office:office" xmlns:v="urn:schemas-microsoft-com:vml" xmlns:wp14="http://schemas.microsoft.com/office/word/2010/wordprocessingDrawing" xmlns:w10="urn:schemas-microsoft-com:office:word" xmlns:w="http://schemas.openxmlformats.org/wordprocessingml/2006/main" xmlns:w14="http://schemas.microsoft.com/office/word/2010/wordml" xmlns:wpg="http://schemas.microsoft.com/office/word/2010/wordprocessingGroup" xmlns:wpi="http://schemas.microsoft.com/office/word/2010/wordprocessingInk" xmlns:wps="http://schemas.microsoft.com/office/word/2010/wordprocessingShape" xmlns:a14="http://schemas.microsoft.com/office/drawing/2010/main" xmlns:pic="http://schemas.openxmlformats.org/drawingml/2006/picture" xmlns:lc="http://schemas.openxmlformats.org/drawingml/2006/lockedCanvas" val="0"/>
+                <a14:useLocalDpi xmlns:a14="http://schemas.microsoft.com/office/drawing/2010/main" val="0"/>
               </a:ext>
             </a:extLst>
           </a:blip>
@@ -13740,7 +13715,7 @@
 </p:sld>
 </file>
 
-<file path=ppt/slides/slide24.xml><?xml version="1.0" encoding="utf-8"?>
+<file path=ppt/slides/slide23.xml><?xml version="1.0" encoding="utf-8"?>
 <p:sld xmlns:a="http://schemas.openxmlformats.org/drawingml/2006/main" xmlns:r="http://schemas.openxmlformats.org/officeDocument/2006/relationships" xmlns:p="http://schemas.openxmlformats.org/presentationml/2006/main">
   <p:cSld>
     <p:spTree>
@@ -13833,6 +13808,119 @@
           </a:prstGeom>
         </p:spPr>
       </p:pic>
+    </p:spTree>
+  </p:cSld>
+  <p:clrMapOvr>
+    <a:masterClrMapping/>
+  </p:clrMapOvr>
+  <p:timing>
+    <p:tnLst>
+      <p:par>
+        <p:cTn id="1" dur="indefinite" restart="never" nodeType="tmRoot"/>
+      </p:par>
+    </p:tnLst>
+  </p:timing>
+</p:sld>
+</file>
+
+<file path=ppt/slides/slide24.xml><?xml version="1.0" encoding="utf-8"?>
+<p:sld xmlns:a="http://schemas.openxmlformats.org/drawingml/2006/main" xmlns:r="http://schemas.openxmlformats.org/officeDocument/2006/relationships" xmlns:p="http://schemas.openxmlformats.org/presentationml/2006/main">
+  <p:cSld>
+    <p:spTree>
+      <p:nvGrpSpPr>
+        <p:cNvPr id="1" name=""/>
+        <p:cNvGrpSpPr/>
+        <p:nvPr/>
+      </p:nvGrpSpPr>
+      <p:grpSpPr>
+        <a:xfrm>
+          <a:off x="0" y="0"/>
+          <a:ext cx="0" cy="0"/>
+          <a:chOff x="0" y="0"/>
+          <a:chExt cx="0" cy="0"/>
+        </a:xfrm>
+      </p:grpSpPr>
+      <p:sp>
+        <p:nvSpPr>
+          <p:cNvPr id="2" name="1 Título"/>
+          <p:cNvSpPr>
+            <a:spLocks noGrp="1"/>
+          </p:cNvSpPr>
+          <p:nvPr>
+            <p:ph type="title"/>
+          </p:nvPr>
+        </p:nvSpPr>
+        <p:spPr/>
+        <p:txBody>
+          <a:bodyPr/>
+          <a:lstStyle/>
+          <a:p>
+            <a:r>
+              <a:rPr lang="es-MX" dirty="0" smtClean="0"/>
+              <a:t>Resultados</a:t>
+            </a:r>
+            <a:endParaRPr lang="es-MX" dirty="0"/>
+          </a:p>
+        </p:txBody>
+      </p:sp>
+      <p:graphicFrame>
+        <p:nvGraphicFramePr>
+          <p:cNvPr id="4" name="3 Marcador de contenido"/>
+          <p:cNvGraphicFramePr>
+            <a:graphicFrameLocks noGrp="1"/>
+          </p:cNvGraphicFramePr>
+          <p:nvPr>
+            <p:ph idx="1"/>
+          </p:nvPr>
+        </p:nvGraphicFramePr>
+        <p:xfrm>
+          <a:off x="457200" y="1481138"/>
+          <a:ext cx="8229600" cy="4525962"/>
+        </p:xfrm>
+        <a:graphic>
+          <a:graphicData uri="http://schemas.openxmlformats.org/drawingml/2006/chart">
+            <c:chart xmlns:c="http://schemas.openxmlformats.org/drawingml/2006/chart" xmlns:r="http://schemas.openxmlformats.org/officeDocument/2006/relationships" r:id="rId2"/>
+          </a:graphicData>
+        </a:graphic>
+      </p:graphicFrame>
+      <p:sp>
+        <p:nvSpPr>
+          <p:cNvPr id="3" name="2 CuadroTexto"/>
+          <p:cNvSpPr txBox="1"/>
+          <p:nvPr/>
+        </p:nvSpPr>
+        <p:spPr>
+          <a:xfrm>
+            <a:off x="1403648" y="5678233"/>
+            <a:ext cx="6120680" cy="369332"/>
+          </a:xfrm>
+          <a:prstGeom prst="rect">
+            <a:avLst/>
+          </a:prstGeom>
+          <a:noFill/>
+        </p:spPr>
+        <p:txBody>
+          <a:bodyPr wrap="square" rtlCol="0">
+            <a:spAutoFit/>
+          </a:bodyPr>
+          <a:lstStyle/>
+          <a:p>
+            <a:r>
+              <a:rPr lang="es-MX" dirty="0" smtClean="0"/>
+              <a:t>Gráfica comparativa de </a:t>
+            </a:r>
+            <a:r>
+              <a:rPr lang="es-MX" dirty="0" err="1" smtClean="0"/>
+              <a:t>likes</a:t>
+            </a:r>
+            <a:r>
+              <a:rPr lang="es-MX" dirty="0" smtClean="0"/>
+              <a:t> recibidos por usuario</a:t>
+            </a:r>
+            <a:endParaRPr lang="es-MX" dirty="0"/>
+          </a:p>
+        </p:txBody>
+      </p:sp>
     </p:spTree>
   </p:cSld>
   <p:clrMapOvr>
@@ -13908,18 +13996,46 @@
           </a:graphicData>
         </a:graphic>
       </p:graphicFrame>
+      <p:sp>
+        <p:nvSpPr>
+          <p:cNvPr id="5" name="4 CuadroTexto"/>
+          <p:cNvSpPr txBox="1"/>
+          <p:nvPr/>
+        </p:nvSpPr>
+        <p:spPr>
+          <a:xfrm>
+            <a:off x="1979712" y="5843746"/>
+            <a:ext cx="6912768" cy="646331"/>
+          </a:xfrm>
+          <a:prstGeom prst="rect">
+            <a:avLst/>
+          </a:prstGeom>
+          <a:noFill/>
+        </p:spPr>
+        <p:txBody>
+          <a:bodyPr wrap="square" rtlCol="0">
+            <a:spAutoFit/>
+          </a:bodyPr>
+          <a:lstStyle/>
+          <a:p>
+            <a:pPr algn="ctr"/>
+            <a:r>
+              <a:rPr lang="es-MX" dirty="0" smtClean="0"/>
+              <a:t>Gráfica comparativa cantidad de usuarios que recibieron un determinado número de </a:t>
+            </a:r>
+            <a:r>
+              <a:rPr lang="es-MX" dirty="0" err="1" smtClean="0"/>
+              <a:t>likes</a:t>
+            </a:r>
+            <a:endParaRPr lang="es-MX" dirty="0"/>
+          </a:p>
+        </p:txBody>
+      </p:sp>
     </p:spTree>
   </p:cSld>
   <p:clrMapOvr>
     <a:masterClrMapping/>
   </p:clrMapOvr>
-  <p:timing>
-    <p:tnLst>
-      <p:par>
-        <p:cTn id="1" dur="indefinite" restart="never" nodeType="tmRoot"/>
-      </p:par>
-    </p:tnLst>
-  </p:timing>
 </p:sld>
 </file>
 
@@ -13983,6 +14099,45 @@
           </a:graphicData>
         </a:graphic>
       </p:graphicFrame>
+      <p:sp>
+        <p:nvSpPr>
+          <p:cNvPr id="5" name="4 CuadroTexto"/>
+          <p:cNvSpPr txBox="1"/>
+          <p:nvPr/>
+        </p:nvSpPr>
+        <p:spPr>
+          <a:xfrm>
+            <a:off x="1835696" y="5862899"/>
+            <a:ext cx="6120680" cy="646331"/>
+          </a:xfrm>
+          <a:prstGeom prst="rect">
+            <a:avLst/>
+          </a:prstGeom>
+          <a:noFill/>
+        </p:spPr>
+        <p:txBody>
+          <a:bodyPr wrap="square" rtlCol="0">
+            <a:spAutoFit/>
+          </a:bodyPr>
+          <a:lstStyle/>
+          <a:p>
+            <a:pPr algn="ctr"/>
+            <a:r>
+              <a:rPr lang="es-MX" dirty="0" smtClean="0"/>
+              <a:t>Gráfica comparativa sobre la cantidad de </a:t>
+            </a:r>
+            <a:r>
+              <a:rPr lang="es-MX" dirty="0" err="1" smtClean="0"/>
+              <a:t>posts</a:t>
+            </a:r>
+            <a:r>
+              <a:rPr lang="es-MX" dirty="0" smtClean="0"/>
+              <a:t> clasificados en cada grupo</a:t>
+            </a:r>
+            <a:endParaRPr lang="es-MX" dirty="0"/>
+          </a:p>
+        </p:txBody>
+      </p:sp>
     </p:spTree>
   </p:cSld>
   <p:clrMapOvr>
@@ -14033,17 +14188,22 @@
       </p:sp>
       <p:graphicFrame>
         <p:nvGraphicFramePr>
-          <p:cNvPr id="4" name="3 Marcador de contenido"/>
+          <p:cNvPr id="5" name="4 Marcador de contenido"/>
           <p:cNvGraphicFramePr>
             <a:graphicFrameLocks noGrp="1"/>
           </p:cNvGraphicFramePr>
           <p:nvPr>
             <p:ph idx="1"/>
+            <p:extLst>
+              <p:ext uri="{D42A27DB-BD31-4B8C-83A1-F6EECF244321}">
+                <p14:modId xmlns:p14="http://schemas.microsoft.com/office/powerpoint/2010/main" val="2332649341"/>
+              </p:ext>
+            </p:extLst>
           </p:nvPr>
         </p:nvGraphicFramePr>
         <p:xfrm>
-          <a:off x="457200" y="1481138"/>
-          <a:ext cx="8229600" cy="4525962"/>
+          <a:off x="467544" y="1124744"/>
+          <a:ext cx="8229600" cy="5184576"/>
         </p:xfrm>
         <a:graphic>
           <a:graphicData uri="http://schemas.openxmlformats.org/drawingml/2006/chart">
@@ -14051,6 +14211,49 @@
           </a:graphicData>
         </a:graphic>
       </p:graphicFrame>
+      <p:sp>
+        <p:nvSpPr>
+          <p:cNvPr id="4" name="3 CuadroTexto"/>
+          <p:cNvSpPr txBox="1"/>
+          <p:nvPr/>
+        </p:nvSpPr>
+        <p:spPr>
+          <a:xfrm>
+            <a:off x="2483768" y="6063774"/>
+            <a:ext cx="6120680" cy="646331"/>
+          </a:xfrm>
+          <a:prstGeom prst="rect">
+            <a:avLst/>
+          </a:prstGeom>
+          <a:noFill/>
+        </p:spPr>
+        <p:txBody>
+          <a:bodyPr wrap="square" rtlCol="0">
+            <a:spAutoFit/>
+          </a:bodyPr>
+          <a:lstStyle/>
+          <a:p>
+            <a:pPr algn="ctr"/>
+            <a:r>
+              <a:rPr lang="es-MX" dirty="0" smtClean="0"/>
+              <a:t>Gráfica comparativa de </a:t>
+            </a:r>
+            <a:r>
+              <a:rPr lang="es-MX" dirty="0" err="1" smtClean="0"/>
+              <a:t>likes</a:t>
+            </a:r>
+            <a:r>
+              <a:rPr lang="es-MX" dirty="0" smtClean="0"/>
+              <a:t> por clasificación de </a:t>
+            </a:r>
+            <a:r>
+              <a:rPr lang="es-MX" dirty="0" err="1" smtClean="0"/>
+              <a:t>posts</a:t>
+            </a:r>
+            <a:endParaRPr lang="es-MX" dirty="0"/>
+          </a:p>
+        </p:txBody>
+      </p:sp>
     </p:spTree>
   </p:cSld>
   <p:clrMapOvr>
@@ -14101,74 +14304,6 @@
       </p:sp>
       <p:graphicFrame>
         <p:nvGraphicFramePr>
-          <p:cNvPr id="5" name="4 Marcador de contenido"/>
-          <p:cNvGraphicFramePr>
-            <a:graphicFrameLocks noGrp="1"/>
-          </p:cNvGraphicFramePr>
-          <p:nvPr>
-            <p:ph idx="1"/>
-          </p:nvPr>
-        </p:nvGraphicFramePr>
-        <p:xfrm>
-          <a:off x="457200" y="1340768"/>
-          <a:ext cx="8229600" cy="5184576"/>
-        </p:xfrm>
-        <a:graphic>
-          <a:graphicData uri="http://schemas.openxmlformats.org/drawingml/2006/chart">
-            <c:chart xmlns:c="http://schemas.openxmlformats.org/drawingml/2006/chart" xmlns:r="http://schemas.openxmlformats.org/officeDocument/2006/relationships" r:id="rId2"/>
-          </a:graphicData>
-        </a:graphic>
-      </p:graphicFrame>
-    </p:spTree>
-  </p:cSld>
-  <p:clrMapOvr>
-    <a:masterClrMapping/>
-  </p:clrMapOvr>
-</p:sld>
-</file>
-
-<file path=ppt/slides/slide29.xml><?xml version="1.0" encoding="utf-8"?>
-<p:sld xmlns:a="http://schemas.openxmlformats.org/drawingml/2006/main" xmlns:r="http://schemas.openxmlformats.org/officeDocument/2006/relationships" xmlns:p="http://schemas.openxmlformats.org/presentationml/2006/main">
-  <p:cSld>
-    <p:spTree>
-      <p:nvGrpSpPr>
-        <p:cNvPr id="1" name=""/>
-        <p:cNvGrpSpPr/>
-        <p:nvPr/>
-      </p:nvGrpSpPr>
-      <p:grpSpPr>
-        <a:xfrm>
-          <a:off x="0" y="0"/>
-          <a:ext cx="0" cy="0"/>
-          <a:chOff x="0" y="0"/>
-          <a:chExt cx="0" cy="0"/>
-        </a:xfrm>
-      </p:grpSpPr>
-      <p:sp>
-        <p:nvSpPr>
-          <p:cNvPr id="2" name="1 Título"/>
-          <p:cNvSpPr>
-            <a:spLocks noGrp="1"/>
-          </p:cNvSpPr>
-          <p:nvPr>
-            <p:ph type="title"/>
-          </p:nvPr>
-        </p:nvSpPr>
-        <p:spPr/>
-        <p:txBody>
-          <a:bodyPr/>
-          <a:lstStyle/>
-          <a:p>
-            <a:r>
-              <a:rPr lang="es-MX" dirty="0" smtClean="0"/>
-              <a:t>Resultados</a:t>
-            </a:r>
-            <a:endParaRPr lang="es-MX" dirty="0"/>
-          </a:p>
-        </p:txBody>
-      </p:sp>
-      <p:graphicFrame>
-        <p:nvGraphicFramePr>
           <p:cNvPr id="4" name="3 Marcador de contenido"/>
           <p:cNvGraphicFramePr>
             <a:graphicFrameLocks noGrp="1"/>
@@ -14187,132 +14322,32 @@
           </a:graphicData>
         </a:graphic>
       </p:graphicFrame>
-    </p:spTree>
-  </p:cSld>
-  <p:clrMapOvr>
-    <a:masterClrMapping/>
-  </p:clrMapOvr>
-</p:sld>
-</file>
-
-<file path=ppt/slides/slide3.xml><?xml version="1.0" encoding="utf-8"?>
-<p:sld xmlns:a="http://schemas.openxmlformats.org/drawingml/2006/main" xmlns:r="http://schemas.openxmlformats.org/officeDocument/2006/relationships" xmlns:p="http://schemas.openxmlformats.org/presentationml/2006/main">
-  <p:cSld>
-    <p:spTree>
-      <p:nvGrpSpPr>
-        <p:cNvPr id="1" name=""/>
-        <p:cNvGrpSpPr/>
-        <p:nvPr/>
-      </p:nvGrpSpPr>
-      <p:grpSpPr>
-        <a:xfrm>
-          <a:off x="0" y="0"/>
-          <a:ext cx="0" cy="0"/>
-          <a:chOff x="0" y="0"/>
-          <a:chExt cx="0" cy="0"/>
-        </a:xfrm>
-      </p:grpSpPr>
-      <p:pic>
-        <p:nvPicPr>
-          <p:cNvPr id="11266" name="Picture 2" descr="http://www.apple5x1.es/wp-content/uploads/2015/05/Mapa-mundial-de-las-Redes-Sociales-1728x800_c.jpg"/>
-          <p:cNvPicPr>
-            <a:picLocks noChangeAspect="1" noChangeArrowheads="1"/>
-          </p:cNvPicPr>
+      <p:sp>
+        <p:nvSpPr>
+          <p:cNvPr id="5" name="4 CuadroTexto"/>
+          <p:cNvSpPr txBox="1"/>
           <p:nvPr/>
-        </p:nvPicPr>
-        <p:blipFill>
-          <a:blip r:embed="rId2" cstate="print"/>
-          <a:srcRect/>
-          <a:stretch>
-            <a:fillRect/>
-          </a:stretch>
-        </p:blipFill>
-        <p:spPr bwMode="auto">
+        </p:nvSpPr>
+        <p:spPr>
           <a:xfrm>
-            <a:off x="971600" y="3212976"/>
-            <a:ext cx="7416824" cy="2786122"/>
+            <a:off x="1691680" y="5862899"/>
+            <a:ext cx="6696744" cy="646331"/>
           </a:xfrm>
           <a:prstGeom prst="rect">
             <a:avLst/>
           </a:prstGeom>
           <a:noFill/>
         </p:spPr>
-      </p:pic>
-      <p:sp>
-        <p:nvSpPr>
-          <p:cNvPr id="3" name="2 Marcador de contenido"/>
-          <p:cNvSpPr>
-            <a:spLocks noGrp="1"/>
-          </p:cNvSpPr>
-          <p:nvPr>
-            <p:ph idx="1"/>
-          </p:nvPr>
-        </p:nvSpPr>
-        <p:spPr>
-          <a:xfrm>
-            <a:off x="457200" y="1481329"/>
-            <a:ext cx="8229600" cy="2163696"/>
-          </a:xfrm>
-        </p:spPr>
         <p:txBody>
-          <a:bodyPr>
-            <a:normAutofit fontScale="77500" lnSpcReduction="20000"/>
+          <a:bodyPr wrap="square" rtlCol="0">
+            <a:spAutoFit/>
           </a:bodyPr>
           <a:lstStyle/>
           <a:p>
-            <a:pPr algn="just"/>
+            <a:pPr algn="ctr"/>
             <a:r>
               <a:rPr lang="es-MX" dirty="0" smtClean="0"/>
-              <a:t>La minería de redes sociales es un área de investigación activa en sociología, psicología social, antropología para el siglo pasado. La minería de redes sociales tiene una larga historia en las ciencias sociales. Hoy hay una convergencia de redes sociales y tecnológicas y sistemas de información con estructuras sociales intrínsecas. (</a:t>
-            </a:r>
-            <a:r>
-              <a:rPr lang="es-MX" dirty="0" err="1" smtClean="0"/>
-              <a:t>Safaei</a:t>
-            </a:r>
-            <a:r>
-              <a:rPr lang="es-MX" dirty="0" smtClean="0"/>
-              <a:t>, </a:t>
-            </a:r>
-            <a:r>
-              <a:rPr lang="es-MX" dirty="0" err="1" smtClean="0"/>
-              <a:t>Sahan</a:t>
-            </a:r>
-            <a:r>
-              <a:rPr lang="es-MX" dirty="0" smtClean="0"/>
-              <a:t>, &amp; </a:t>
-            </a:r>
-            <a:r>
-              <a:rPr lang="es-MX" dirty="0" err="1" smtClean="0"/>
-              <a:t>Ilkan</a:t>
-            </a:r>
-            <a:r>
-              <a:rPr lang="es-MX" dirty="0" smtClean="0"/>
-              <a:t>, 2009)</a:t>
-            </a:r>
-          </a:p>
-          <a:p>
-            <a:endParaRPr lang="es-MX" dirty="0"/>
-          </a:p>
-        </p:txBody>
-      </p:sp>
-      <p:sp>
-        <p:nvSpPr>
-          <p:cNvPr id="2" name="1 Título"/>
-          <p:cNvSpPr>
-            <a:spLocks noGrp="1"/>
-          </p:cNvSpPr>
-          <p:nvPr>
-            <p:ph type="title"/>
-          </p:nvPr>
-        </p:nvSpPr>
-        <p:spPr/>
-        <p:txBody>
-          <a:bodyPr/>
-          <a:lstStyle/>
-          <a:p>
-            <a:r>
-              <a:rPr lang="es-MX" dirty="0" smtClean="0"/>
-              <a:t>Introducción</a:t>
+              <a:t>Gráfica comparativa sobre la respuesta de los miembros de una red en relación al grupo del post</a:t>
             </a:r>
             <a:endParaRPr lang="es-MX" dirty="0"/>
           </a:p>
@@ -14326,7 +14361,7 @@
 </p:sld>
 </file>
 
-<file path=ppt/slides/slide30.xml><?xml version="1.0" encoding="utf-8"?>
+<file path=ppt/slides/slide29.xml><?xml version="1.0" encoding="utf-8"?>
 <p:sld xmlns:a="http://schemas.openxmlformats.org/drawingml/2006/main" xmlns:r="http://schemas.openxmlformats.org/officeDocument/2006/relationships" xmlns:p="http://schemas.openxmlformats.org/presentationml/2006/main">
   <p:cSld>
     <p:spTree>
@@ -15612,6 +15647,37 @@
           </a:graphicData>
         </a:graphic>
       </p:graphicFrame>
+      <p:sp>
+        <p:nvSpPr>
+          <p:cNvPr id="6" name="5 CuadroTexto"/>
+          <p:cNvSpPr txBox="1"/>
+          <p:nvPr/>
+        </p:nvSpPr>
+        <p:spPr>
+          <a:xfrm>
+            <a:off x="1403648" y="5678233"/>
+            <a:ext cx="6120680" cy="646331"/>
+          </a:xfrm>
+          <a:prstGeom prst="rect">
+            <a:avLst/>
+          </a:prstGeom>
+          <a:noFill/>
+        </p:spPr>
+        <p:txBody>
+          <a:bodyPr wrap="square" rtlCol="0">
+            <a:spAutoFit/>
+          </a:bodyPr>
+          <a:lstStyle/>
+          <a:p>
+            <a:pPr algn="ctr"/>
+            <a:r>
+              <a:rPr lang="es-MX" dirty="0" smtClean="0"/>
+              <a:t>Gráfica comparativa de influencia del top ten de usuarios con mayor influencia</a:t>
+            </a:r>
+            <a:endParaRPr lang="es-MX" dirty="0"/>
+          </a:p>
+        </p:txBody>
+      </p:sp>
     </p:spTree>
   </p:cSld>
   <p:clrMapOvr>
@@ -15620,7 +15686,138 @@
 </p:sld>
 </file>
 
-<file path=ppt/slides/slide31.xml><?xml version="1.0" encoding="utf-8"?>
+<file path=ppt/slides/slide3.xml><?xml version="1.0" encoding="utf-8"?>
+<p:sld xmlns:a="http://schemas.openxmlformats.org/drawingml/2006/main" xmlns:r="http://schemas.openxmlformats.org/officeDocument/2006/relationships" xmlns:p="http://schemas.openxmlformats.org/presentationml/2006/main">
+  <p:cSld>
+    <p:spTree>
+      <p:nvGrpSpPr>
+        <p:cNvPr id="1" name=""/>
+        <p:cNvGrpSpPr/>
+        <p:nvPr/>
+      </p:nvGrpSpPr>
+      <p:grpSpPr>
+        <a:xfrm>
+          <a:off x="0" y="0"/>
+          <a:ext cx="0" cy="0"/>
+          <a:chOff x="0" y="0"/>
+          <a:chExt cx="0" cy="0"/>
+        </a:xfrm>
+      </p:grpSpPr>
+      <p:pic>
+        <p:nvPicPr>
+          <p:cNvPr id="11266" name="Picture 2" descr="http://www.apple5x1.es/wp-content/uploads/2015/05/Mapa-mundial-de-las-Redes-Sociales-1728x800_c.jpg"/>
+          <p:cNvPicPr>
+            <a:picLocks noChangeAspect="1" noChangeArrowheads="1"/>
+          </p:cNvPicPr>
+          <p:nvPr/>
+        </p:nvPicPr>
+        <p:blipFill>
+          <a:blip r:embed="rId2" cstate="print"/>
+          <a:srcRect/>
+          <a:stretch>
+            <a:fillRect/>
+          </a:stretch>
+        </p:blipFill>
+        <p:spPr bwMode="auto">
+          <a:xfrm>
+            <a:off x="971600" y="3212976"/>
+            <a:ext cx="7416824" cy="2786122"/>
+          </a:xfrm>
+          <a:prstGeom prst="rect">
+            <a:avLst/>
+          </a:prstGeom>
+          <a:noFill/>
+        </p:spPr>
+      </p:pic>
+      <p:sp>
+        <p:nvSpPr>
+          <p:cNvPr id="3" name="2 Marcador de contenido"/>
+          <p:cNvSpPr>
+            <a:spLocks noGrp="1"/>
+          </p:cNvSpPr>
+          <p:nvPr>
+            <p:ph idx="1"/>
+          </p:nvPr>
+        </p:nvSpPr>
+        <p:spPr>
+          <a:xfrm>
+            <a:off x="457200" y="1481329"/>
+            <a:ext cx="8229600" cy="2163696"/>
+          </a:xfrm>
+        </p:spPr>
+        <p:txBody>
+          <a:bodyPr>
+            <a:normAutofit fontScale="77500" lnSpcReduction="20000"/>
+          </a:bodyPr>
+          <a:lstStyle/>
+          <a:p>
+            <a:pPr algn="just"/>
+            <a:r>
+              <a:rPr lang="es-MX" dirty="0" smtClean="0"/>
+              <a:t>La minería de redes sociales es un área de investigación activa en sociología, psicología social, antropología para el siglo pasado. La minería de redes sociales tiene una larga historia en las ciencias sociales. Hoy hay una convergencia de redes sociales y tecnológicas y sistemas de información con estructuras sociales intrínsecas. (</a:t>
+            </a:r>
+            <a:r>
+              <a:rPr lang="es-MX" dirty="0" err="1" smtClean="0"/>
+              <a:t>Safaei</a:t>
+            </a:r>
+            <a:r>
+              <a:rPr lang="es-MX" dirty="0" smtClean="0"/>
+              <a:t>, </a:t>
+            </a:r>
+            <a:r>
+              <a:rPr lang="es-MX" dirty="0" err="1" smtClean="0"/>
+              <a:t>Sahan</a:t>
+            </a:r>
+            <a:r>
+              <a:rPr lang="es-MX" dirty="0" smtClean="0"/>
+              <a:t>, &amp; </a:t>
+            </a:r>
+            <a:r>
+              <a:rPr lang="es-MX" dirty="0" err="1" smtClean="0"/>
+              <a:t>Ilkan</a:t>
+            </a:r>
+            <a:r>
+              <a:rPr lang="es-MX" dirty="0" smtClean="0"/>
+              <a:t>, 2009)</a:t>
+            </a:r>
+          </a:p>
+          <a:p>
+            <a:endParaRPr lang="es-MX" dirty="0"/>
+          </a:p>
+        </p:txBody>
+      </p:sp>
+      <p:sp>
+        <p:nvSpPr>
+          <p:cNvPr id="2" name="1 Título"/>
+          <p:cNvSpPr>
+            <a:spLocks noGrp="1"/>
+          </p:cNvSpPr>
+          <p:nvPr>
+            <p:ph type="title"/>
+          </p:nvPr>
+        </p:nvSpPr>
+        <p:spPr/>
+        <p:txBody>
+          <a:bodyPr/>
+          <a:lstStyle/>
+          <a:p>
+            <a:r>
+              <a:rPr lang="es-MX" dirty="0" smtClean="0"/>
+              <a:t>Introducción</a:t>
+            </a:r>
+            <a:endParaRPr lang="es-MX" dirty="0"/>
+          </a:p>
+        </p:txBody>
+      </p:sp>
+    </p:spTree>
+  </p:cSld>
+  <p:clrMapOvr>
+    <a:masterClrMapping/>
+  </p:clrMapOvr>
+</p:sld>
+</file>
+
+<file path=ppt/slides/slide30.xml><?xml version="1.0" encoding="utf-8"?>
 <p:sld xmlns:a="http://schemas.openxmlformats.org/drawingml/2006/main" xmlns:r="http://schemas.openxmlformats.org/officeDocument/2006/relationships" xmlns:p="http://schemas.openxmlformats.org/presentationml/2006/main">
   <p:cSld>
     <p:spTree>
@@ -15749,7 +15946,7 @@
 </p:sld>
 </file>
 
-<file path=ppt/slides/slide32.xml><?xml version="1.0" encoding="utf-8"?>
+<file path=ppt/slides/slide31.xml><?xml version="1.0" encoding="utf-8"?>
 <p:sld xmlns:a="http://schemas.openxmlformats.org/drawingml/2006/main" xmlns:r="http://schemas.openxmlformats.org/officeDocument/2006/relationships" xmlns:p="http://schemas.openxmlformats.org/presentationml/2006/main">
   <p:cSld>
     <p:spTree>
@@ -15875,7 +16072,7 @@
 </p:sld>
 </file>
 
-<file path=ppt/slides/slide33.xml><?xml version="1.0" encoding="utf-8"?>
+<file path=ppt/slides/slide32.xml><?xml version="1.0" encoding="utf-8"?>
 <p:sld xmlns:a="http://schemas.openxmlformats.org/drawingml/2006/main" xmlns:r="http://schemas.openxmlformats.org/officeDocument/2006/relationships" xmlns:p="http://schemas.openxmlformats.org/presentationml/2006/main">
   <p:cSld>
     <p:spTree>
@@ -16229,7 +16426,7 @@
 </p:sld>
 </file>
 
-<file path=ppt/slides/slide34.xml><?xml version="1.0" encoding="utf-8"?>
+<file path=ppt/slides/slide33.xml><?xml version="1.0" encoding="utf-8"?>
 <p:sld xmlns:a="http://schemas.openxmlformats.org/drawingml/2006/main" xmlns:r="http://schemas.openxmlformats.org/officeDocument/2006/relationships" xmlns:p="http://schemas.openxmlformats.org/presentationml/2006/main">
   <p:cSld>
     <p:spTree>
@@ -16461,150 +16658,6 @@
         </p:nvSpPr>
         <p:spPr>
           <a:xfrm>
-            <a:off x="457200" y="1481329"/>
-            <a:ext cx="8229600" cy="2163696"/>
-          </a:xfrm>
-        </p:spPr>
-        <p:txBody>
-          <a:bodyPr>
-            <a:normAutofit/>
-          </a:bodyPr>
-          <a:lstStyle/>
-          <a:p>
-            <a:r>
-              <a:rPr lang="es-MX" dirty="0" smtClean="0">
-                <a:solidFill>
-                  <a:schemeClr val="tx2">
-                    <a:lumMod val="75000"/>
-                  </a:schemeClr>
-                </a:solidFill>
-              </a:rPr>
-              <a:t>La concepción de la idea sobre una estructura social, nos hace pensar sobre la forma en que la información fluye a través de la misma. (Scott, 2011)</a:t>
-            </a:r>
-            <a:endParaRPr lang="es-MX" dirty="0"/>
-          </a:p>
-        </p:txBody>
-      </p:sp>
-      <p:sp>
-        <p:nvSpPr>
-          <p:cNvPr id="2" name="1 Título"/>
-          <p:cNvSpPr>
-            <a:spLocks noGrp="1"/>
-          </p:cNvSpPr>
-          <p:nvPr>
-            <p:ph type="title"/>
-          </p:nvPr>
-        </p:nvSpPr>
-        <p:spPr/>
-        <p:txBody>
-          <a:bodyPr/>
-          <a:lstStyle/>
-          <a:p>
-            <a:r>
-              <a:rPr lang="es-MX" dirty="0" smtClean="0"/>
-              <a:t>Introducción</a:t>
-            </a:r>
-            <a:endParaRPr lang="es-MX" dirty="0"/>
-          </a:p>
-        </p:txBody>
-      </p:sp>
-      <p:pic>
-        <p:nvPicPr>
-          <p:cNvPr id="5" name="4 Imagen" descr="introduccion1.jpg"/>
-          <p:cNvPicPr>
-            <a:picLocks noChangeAspect="1"/>
-          </p:cNvPicPr>
-          <p:nvPr/>
-        </p:nvPicPr>
-        <p:blipFill>
-          <a:blip r:embed="rId2" cstate="print"/>
-          <a:stretch>
-            <a:fillRect/>
-          </a:stretch>
-        </p:blipFill>
-        <p:spPr>
-          <a:xfrm>
-            <a:off x="3491880" y="3212976"/>
-            <a:ext cx="2736304" cy="3409725"/>
-          </a:xfrm>
-          <a:prstGeom prst="rect">
-            <a:avLst/>
-          </a:prstGeom>
-          <a:ln>
-            <a:noFill/>
-          </a:ln>
-          <a:effectLst>
-            <a:softEdge rad="112500"/>
-          </a:effectLst>
-        </p:spPr>
-      </p:pic>
-      <p:pic>
-        <p:nvPicPr>
-          <p:cNvPr id="6" name="5 Imagen" descr="introduccion1.jpg"/>
-          <p:cNvPicPr>
-            <a:picLocks noChangeAspect="1"/>
-          </p:cNvPicPr>
-          <p:nvPr/>
-        </p:nvPicPr>
-        <p:blipFill>
-          <a:blip r:embed="rId2" cstate="print"/>
-          <a:stretch>
-            <a:fillRect/>
-          </a:stretch>
-        </p:blipFill>
-        <p:spPr>
-          <a:xfrm>
-            <a:off x="3644280" y="3365376"/>
-            <a:ext cx="2736304" cy="3409725"/>
-          </a:xfrm>
-          <a:prstGeom prst="rect">
-            <a:avLst/>
-          </a:prstGeom>
-          <a:ln>
-            <a:noFill/>
-          </a:ln>
-          <a:effectLst>
-            <a:softEdge rad="112500"/>
-          </a:effectLst>
-        </p:spPr>
-      </p:pic>
-    </p:spTree>
-  </p:cSld>
-  <p:clrMapOvr>
-    <a:masterClrMapping/>
-  </p:clrMapOvr>
-</p:sld>
-</file>
-
-<file path=ppt/slides/slide5.xml><?xml version="1.0" encoding="utf-8"?>
-<p:sld xmlns:a="http://schemas.openxmlformats.org/drawingml/2006/main" xmlns:r="http://schemas.openxmlformats.org/officeDocument/2006/relationships" xmlns:p="http://schemas.openxmlformats.org/presentationml/2006/main">
-  <p:cSld>
-    <p:spTree>
-      <p:nvGrpSpPr>
-        <p:cNvPr id="1" name=""/>
-        <p:cNvGrpSpPr/>
-        <p:nvPr/>
-      </p:nvGrpSpPr>
-      <p:grpSpPr>
-        <a:xfrm>
-          <a:off x="0" y="0"/>
-          <a:ext cx="0" cy="0"/>
-          <a:chOff x="0" y="0"/>
-          <a:chExt cx="0" cy="0"/>
-        </a:xfrm>
-      </p:grpSpPr>
-      <p:sp>
-        <p:nvSpPr>
-          <p:cNvPr id="3" name="2 Marcador de contenido"/>
-          <p:cNvSpPr>
-            <a:spLocks noGrp="1"/>
-          </p:cNvSpPr>
-          <p:nvPr>
-            <p:ph idx="1"/>
-          </p:nvPr>
-        </p:nvSpPr>
-        <p:spPr>
-          <a:xfrm>
             <a:off x="457200" y="1268760"/>
             <a:ext cx="8229600" cy="2376265"/>
           </a:xfrm>
@@ -16652,7 +16705,6 @@
               <a:rPr lang="es-MX" dirty="0" smtClean="0"/>
               <a:t>, 2008)</a:t>
             </a:r>
-            <a:endParaRPr lang="es-MX" dirty="0" smtClean="0"/>
           </a:p>
           <a:p>
             <a:pPr algn="just"/>
@@ -16727,7 +16779,7 @@
 </p:sld>
 </file>
 
-<file path=ppt/slides/slide6.xml><?xml version="1.0" encoding="utf-8"?>
+<file path=ppt/slides/slide5.xml><?xml version="1.0" encoding="utf-8"?>
 <p:sld xmlns:a="http://schemas.openxmlformats.org/drawingml/2006/main" xmlns:r="http://schemas.openxmlformats.org/officeDocument/2006/relationships" xmlns:p="http://schemas.openxmlformats.org/presentationml/2006/main">
   <p:cSld>
     <p:spTree>
@@ -16964,7 +17016,7 @@
 </p:sld>
 </file>
 
-<file path=ppt/slides/slide7.xml><?xml version="1.0" encoding="utf-8"?>
+<file path=ppt/slides/slide6.xml><?xml version="1.0" encoding="utf-8"?>
 <p:sld xmlns:a="http://schemas.openxmlformats.org/drawingml/2006/main" xmlns:r="http://schemas.openxmlformats.org/officeDocument/2006/relationships" xmlns:p="http://schemas.openxmlformats.org/presentationml/2006/main">
   <p:cSld>
     <p:spTree>
@@ -17006,15 +17058,7 @@
             <a:pPr algn="just"/>
             <a:r>
               <a:rPr lang="es-MX" dirty="0" smtClean="0"/>
-              <a:t>Enriquecer la diversidad en algoritmos para analizar las redes sociales, en este caso sobre el análisis del comportamiento humano específicamente en el campo de la influencia de líderes sobre otras </a:t>
-            </a:r>
-            <a:r>
-              <a:rPr lang="es-MX" dirty="0" smtClean="0"/>
-              <a:t>personas. A </a:t>
-            </a:r>
-            <a:r>
-              <a:rPr lang="es-MX" dirty="0" smtClean="0"/>
-              <a:t>propósito de estas interacciones miembros de redes sociales se afectan entre sí en su comportamiento y opinión.</a:t>
+              <a:t>Enriquecer la diversidad en algoritmos para analizar las redes sociales, en este caso sobre el análisis del comportamiento humano específicamente en el campo de la influencia de líderes sobre otras personas. A propósito de estas interacciones miembros de redes sociales se afectan entre sí en su comportamiento y opinión.</a:t>
             </a:r>
             <a:r>
               <a:rPr lang="es-MX" b="1" dirty="0" smtClean="0"/>
@@ -17108,7 +17152,7 @@
 </p:sld>
 </file>
 
-<file path=ppt/slides/slide8.xml><?xml version="1.0" encoding="utf-8"?>
+<file path=ppt/slides/slide7.xml><?xml version="1.0" encoding="utf-8"?>
 <p:sld xmlns:a="http://schemas.openxmlformats.org/drawingml/2006/main" xmlns:r="http://schemas.openxmlformats.org/officeDocument/2006/relationships" xmlns:p="http://schemas.openxmlformats.org/presentationml/2006/main">
   <p:cSld>
     <p:spTree>
@@ -17166,27 +17210,7 @@
             </a:r>
             <a:r>
               <a:rPr lang="es-MX" dirty="0" smtClean="0"/>
-              <a:t>. </a:t>
-            </a:r>
-            <a:r>
-              <a:rPr lang="es-MX" dirty="0" smtClean="0"/>
-              <a:t>E</a:t>
-            </a:r>
-            <a:r>
-              <a:rPr lang="es-MX" dirty="0" smtClean="0"/>
-              <a:t>sta </a:t>
-            </a:r>
-            <a:r>
-              <a:rPr lang="es-MX" dirty="0" smtClean="0"/>
-              <a:t>investigación brindará un </a:t>
-            </a:r>
-            <a:r>
-              <a:rPr lang="es-MX" dirty="0" smtClean="0"/>
-              <a:t>Framework que </a:t>
-            </a:r>
-            <a:r>
-              <a:rPr lang="es-MX" dirty="0" smtClean="0"/>
-              <a:t>permitirá realizar análisis social mediante una arquitectura de procesos distribuidos, utilizando la Minería Web, la Minería de Texto y la Minería de Datos, este Framework se encuentra disponible en la siguiente URL: </a:t>
+              <a:t>. Esta investigación brindará un Framework que permitirá realizar análisis social mediante una arquitectura de procesos distribuidos, utilizando la Minería Web, la Minería de Texto y la Minería de Datos, este Framework se encuentra disponible en la siguiente URL: </a:t>
             </a:r>
             <a:r>
               <a:rPr lang="es-MX" i="1" dirty="0" smtClean="0">
@@ -17270,6 +17294,159 @@
           <a:xfrm>
             <a:off x="2987824" y="3140968"/>
             <a:ext cx="3528392" cy="3528392"/>
+          </a:xfrm>
+          <a:prstGeom prst="rect">
+            <a:avLst/>
+          </a:prstGeom>
+          <a:noFill/>
+        </p:spPr>
+      </p:pic>
+    </p:spTree>
+  </p:cSld>
+  <p:clrMapOvr>
+    <a:masterClrMapping/>
+  </p:clrMapOvr>
+</p:sld>
+</file>
+
+<file path=ppt/slides/slide8.xml><?xml version="1.0" encoding="utf-8"?>
+<p:sld xmlns:a="http://schemas.openxmlformats.org/drawingml/2006/main" xmlns:r="http://schemas.openxmlformats.org/officeDocument/2006/relationships" xmlns:p="http://schemas.openxmlformats.org/presentationml/2006/main">
+  <p:cSld>
+    <p:spTree>
+      <p:nvGrpSpPr>
+        <p:cNvPr id="1" name=""/>
+        <p:cNvGrpSpPr/>
+        <p:nvPr/>
+      </p:nvGrpSpPr>
+      <p:grpSpPr>
+        <a:xfrm>
+          <a:off x="0" y="0"/>
+          <a:ext cx="0" cy="0"/>
+          <a:chOff x="0" y="0"/>
+          <a:chExt cx="0" cy="0"/>
+        </a:xfrm>
+      </p:grpSpPr>
+      <p:sp>
+        <p:nvSpPr>
+          <p:cNvPr id="3" name="2 Marcador de contenido"/>
+          <p:cNvSpPr>
+            <a:spLocks noGrp="1"/>
+          </p:cNvSpPr>
+          <p:nvPr>
+            <p:ph idx="1"/>
+          </p:nvPr>
+        </p:nvSpPr>
+        <p:spPr>
+          <a:xfrm>
+            <a:off x="457200" y="1481328"/>
+            <a:ext cx="8229600" cy="2307711"/>
+          </a:xfrm>
+        </p:spPr>
+        <p:txBody>
+          <a:bodyPr>
+            <a:normAutofit fontScale="77500" lnSpcReduction="20000"/>
+          </a:bodyPr>
+          <a:lstStyle/>
+          <a:p>
+            <a:pPr lvl="0"/>
+            <a:r>
+              <a:rPr lang="es-MX" dirty="0" smtClean="0"/>
+              <a:t>¿Qué variables debemos tener en cuenta al momento de generar un algoritmo para analizar las publicaciones en </a:t>
+            </a:r>
+            <a:r>
+              <a:rPr lang="es-MX" i="1" dirty="0" err="1" smtClean="0"/>
+              <a:t>Facebook</a:t>
+            </a:r>
+            <a:r>
+              <a:rPr lang="es-MX" dirty="0" smtClean="0"/>
+              <a:t>?</a:t>
+            </a:r>
+          </a:p>
+          <a:p>
+            <a:pPr lvl="0"/>
+            <a:r>
+              <a:rPr lang="es-MX" dirty="0" smtClean="0"/>
+              <a:t>¿Cómo podemos medir la influencia de un usuario en </a:t>
+            </a:r>
+            <a:r>
+              <a:rPr lang="es-MX" i="1" dirty="0" err="1" smtClean="0"/>
+              <a:t>Facebook</a:t>
+            </a:r>
+            <a:r>
+              <a:rPr lang="es-MX" dirty="0" smtClean="0"/>
+              <a:t>?</a:t>
+            </a:r>
+          </a:p>
+          <a:p>
+            <a:pPr lvl="0"/>
+            <a:r>
+              <a:rPr lang="es-MX" dirty="0" smtClean="0"/>
+              <a:t>¿Cómo desarrollar un Framework en </a:t>
+            </a:r>
+            <a:r>
+              <a:rPr lang="es-MX" dirty="0" err="1" smtClean="0"/>
+              <a:t>Python</a:t>
+            </a:r>
+            <a:r>
+              <a:rPr lang="es-MX" dirty="0" smtClean="0"/>
+              <a:t> que nos permita realizar minería Web para medir la influencia de un usuario en </a:t>
+            </a:r>
+            <a:r>
+              <a:rPr lang="es-MX" i="1" dirty="0" err="1" smtClean="0"/>
+              <a:t>Facebook</a:t>
+            </a:r>
+            <a:r>
+              <a:rPr lang="es-MX" dirty="0" smtClean="0"/>
+              <a:t>?</a:t>
+            </a:r>
+          </a:p>
+          <a:p>
+            <a:endParaRPr lang="es-MX" dirty="0"/>
+          </a:p>
+        </p:txBody>
+      </p:sp>
+      <p:sp>
+        <p:nvSpPr>
+          <p:cNvPr id="2" name="1 Título"/>
+          <p:cNvSpPr>
+            <a:spLocks noGrp="1"/>
+          </p:cNvSpPr>
+          <p:nvPr>
+            <p:ph type="title"/>
+          </p:nvPr>
+        </p:nvSpPr>
+        <p:spPr/>
+        <p:txBody>
+          <a:bodyPr/>
+          <a:lstStyle/>
+          <a:p>
+            <a:r>
+              <a:rPr lang="es-MX" dirty="0" smtClean="0"/>
+              <a:t>Preguntas de Investigación</a:t>
+            </a:r>
+            <a:endParaRPr lang="es-MX" dirty="0"/>
+          </a:p>
+        </p:txBody>
+      </p:sp>
+      <p:pic>
+        <p:nvPicPr>
+          <p:cNvPr id="4" name="Picture 2" descr="http://www.clinicacasadelnino.com/clinica/pregunta.png"/>
+          <p:cNvPicPr>
+            <a:picLocks noChangeAspect="1" noChangeArrowheads="1"/>
+          </p:cNvPicPr>
+          <p:nvPr/>
+        </p:nvPicPr>
+        <p:blipFill>
+          <a:blip r:embed="rId2" cstate="print"/>
+          <a:srcRect/>
+          <a:stretch>
+            <a:fillRect/>
+          </a:stretch>
+        </p:blipFill>
+        <p:spPr bwMode="auto">
+          <a:xfrm>
+            <a:off x="3779912" y="3573016"/>
+            <a:ext cx="2343030" cy="3045939"/>
           </a:xfrm>
           <a:prstGeom prst="rect">
             <a:avLst/>
@@ -17314,20 +17491,27 @@
         </p:nvSpPr>
         <p:spPr>
           <a:xfrm>
-            <a:off x="457200" y="1481328"/>
-            <a:ext cx="8229600" cy="2307711"/>
+            <a:off x="457200" y="1481329"/>
+            <a:ext cx="8229600" cy="2595744"/>
           </a:xfrm>
         </p:spPr>
         <p:txBody>
           <a:bodyPr>
-            <a:normAutofit fontScale="77500" lnSpcReduction="20000"/>
+            <a:normAutofit lnSpcReduction="10000"/>
           </a:bodyPr>
           <a:lstStyle/>
           <a:p>
-            <a:pPr lvl="0"/>
+            <a:r>
+              <a:rPr lang="es-ES" b="1" dirty="0" smtClean="0"/>
+              <a:t>Objetivo General</a:t>
+            </a:r>
+            <a:endParaRPr lang="es-MX" b="1" dirty="0" smtClean="0"/>
+          </a:p>
+          <a:p>
+            <a:pPr lvl="1" algn="just"/>
             <a:r>
               <a:rPr lang="es-MX" dirty="0" smtClean="0"/>
-              <a:t>¿Qué variables debemos tener en cuenta al momento de generar un algoritmo para analizar las publicaciones en </a:t>
+              <a:t>Distinguir los nodos líderes que causan influencia sobre el albedrío de su círculo social en </a:t>
             </a:r>
             <a:r>
               <a:rPr lang="es-MX" i="1" dirty="0" err="1" smtClean="0"/>
@@ -17335,14 +17519,7 @@
             </a:r>
             <a:r>
               <a:rPr lang="es-MX" dirty="0" smtClean="0"/>
-              <a:t>?</a:t>
-            </a:r>
-          </a:p>
-          <a:p>
-            <a:pPr lvl="0"/>
-            <a:r>
-              <a:rPr lang="es-MX" dirty="0" smtClean="0"/>
-              <a:t>¿Cómo podemos medir la influencia de un usuario en </a:t>
+              <a:t> mediante el análisis de sus publicaciones y los comentarios hechos en estas, desarrollando un Framework que permite el Análisis Social en </a:t>
             </a:r>
             <a:r>
               <a:rPr lang="es-MX" i="1" dirty="0" err="1" smtClean="0"/>
@@ -17350,14 +17527,7 @@
             </a:r>
             <a:r>
               <a:rPr lang="es-MX" dirty="0" smtClean="0"/>
-              <a:t>?</a:t>
-            </a:r>
-          </a:p>
-          <a:p>
-            <a:pPr lvl="0"/>
-            <a:r>
-              <a:rPr lang="es-MX" dirty="0" smtClean="0"/>
-              <a:t>¿Cómo desarrollar un Framework en </a:t>
+              <a:t> para el lenguaje </a:t>
             </a:r>
             <a:r>
               <a:rPr lang="es-MX" dirty="0" err="1" smtClean="0"/>
@@ -17365,15 +17535,7 @@
             </a:r>
             <a:r>
               <a:rPr lang="es-MX" dirty="0" smtClean="0"/>
-              <a:t> que nos permita realizar minería Web para medir la influencia de un usuario en </a:t>
-            </a:r>
-            <a:r>
-              <a:rPr lang="es-MX" i="1" dirty="0" err="1" smtClean="0"/>
-              <a:t>Facebook</a:t>
-            </a:r>
-            <a:r>
-              <a:rPr lang="es-MX" dirty="0" smtClean="0"/>
-              <a:t>?</a:t>
+              <a:t>.</a:t>
             </a:r>
           </a:p>
           <a:p>
@@ -17398,7 +17560,7 @@
           <a:p>
             <a:r>
               <a:rPr lang="es-MX" dirty="0" smtClean="0"/>
-              <a:t>Preguntas de Investigación</a:t>
+              <a:t>Objetivos</a:t>
             </a:r>
             <a:endParaRPr lang="es-MX" dirty="0"/>
           </a:p>
@@ -17406,7 +17568,7 @@
       </p:sp>
       <p:pic>
         <p:nvPicPr>
-          <p:cNvPr id="4" name="Picture 2" descr="http://www.clinicacasadelnino.com/clinica/pregunta.png"/>
+          <p:cNvPr id="7172" name="Picture 4" descr="http://kateashford.files.wordpress.com/2011/11/checkboxes.jpg"/>
           <p:cNvPicPr>
             <a:picLocks noChangeAspect="1" noChangeArrowheads="1"/>
           </p:cNvPicPr>
@@ -17421,13 +17583,18 @@
         </p:blipFill>
         <p:spPr bwMode="auto">
           <a:xfrm>
-            <a:off x="3779912" y="3573016"/>
-            <a:ext cx="2343030" cy="3045939"/>
+            <a:off x="4860032" y="3933056"/>
+            <a:ext cx="3672408" cy="2754306"/>
           </a:xfrm>
           <a:prstGeom prst="rect">
             <a:avLst/>
           </a:prstGeom>
-          <a:noFill/>
+          <a:ln>
+            <a:noFill/>
+          </a:ln>
+          <a:effectLst>
+            <a:softEdge rad="112500"/>
+          </a:effectLst>
         </p:spPr>
       </p:pic>
     </p:spTree>
